--- a/AI_Precourse/Week6_Final.pptx
+++ b/AI_Precourse/Week6_Final.pptx
@@ -5,17 +5,20 @@
     <p:sldMasterId id="2147483648" r:id="rId1"/>
   </p:sldMasterIdLst>
   <p:notesMasterIdLst>
-    <p:notesMasterId r:id="rId10"/>
+    <p:notesMasterId r:id="rId13"/>
   </p:notesMasterIdLst>
   <p:sldIdLst>
     <p:sldId id="256" r:id="rId2"/>
     <p:sldId id="257" r:id="rId3"/>
     <p:sldId id="314" r:id="rId4"/>
-    <p:sldId id="394" r:id="rId5"/>
-    <p:sldId id="395" r:id="rId6"/>
-    <p:sldId id="396" r:id="rId7"/>
-    <p:sldId id="342" r:id="rId8"/>
-    <p:sldId id="397" r:id="rId9"/>
+    <p:sldId id="399" r:id="rId5"/>
+    <p:sldId id="394" r:id="rId6"/>
+    <p:sldId id="347" r:id="rId7"/>
+    <p:sldId id="401" r:id="rId8"/>
+    <p:sldId id="402" r:id="rId9"/>
+    <p:sldId id="396" r:id="rId10"/>
+    <p:sldId id="342" r:id="rId11"/>
+    <p:sldId id="397" r:id="rId12"/>
   </p:sldIdLst>
   <p:sldSz cx="12192000" cy="6858000"/>
   <p:notesSz cx="6858000" cy="9144000"/>
@@ -469,6 +472,578 @@
     </a:lvl9pPr>
   </p:notesStyle>
 </p:notesMaster>
+</file>
+
+<file path=ppt/notesSlides/notesSlide1.xml><?xml version="1.0" encoding="utf-8"?>
+<p:notes xmlns:a="http://schemas.openxmlformats.org/drawingml/2006/main" xmlns:r="http://schemas.openxmlformats.org/officeDocument/2006/relationships" xmlns:p="http://schemas.openxmlformats.org/presentationml/2006/main">
+  <p:cSld>
+    <p:spTree>
+      <p:nvGrpSpPr>
+        <p:cNvPr id="1" name=""/>
+        <p:cNvGrpSpPr/>
+        <p:nvPr/>
+      </p:nvGrpSpPr>
+      <p:grpSpPr>
+        <a:xfrm>
+          <a:off x="0" y="0"/>
+          <a:ext cx="0" cy="0"/>
+          <a:chOff x="0" y="0"/>
+          <a:chExt cx="0" cy="0"/>
+        </a:xfrm>
+      </p:grpSpPr>
+      <p:sp>
+        <p:nvSpPr>
+          <p:cNvPr id="2" name="Slide Image Placeholder 1"/>
+          <p:cNvSpPr>
+            <a:spLocks noGrp="1" noRot="1" noChangeAspect="1"/>
+          </p:cNvSpPr>
+          <p:nvPr>
+            <p:ph type="sldImg"/>
+          </p:nvPr>
+        </p:nvSpPr>
+        <p:spPr/>
+      </p:sp>
+      <p:sp>
+        <p:nvSpPr>
+          <p:cNvPr id="3" name="Notes Placeholder 2"/>
+          <p:cNvSpPr>
+            <a:spLocks noGrp="1"/>
+          </p:cNvSpPr>
+          <p:nvPr>
+            <p:ph type="body" idx="1"/>
+          </p:nvPr>
+        </p:nvSpPr>
+        <p:spPr/>
+        <p:txBody>
+          <a:bodyPr/>
+          <a:lstStyle/>
+          <a:p>
+            <a:r>
+              <a:rPr lang="en-GB" sz="1200" b="1" i="0" kern="1200" dirty="0">
+                <a:solidFill>
+                  <a:schemeClr val="tx1"/>
+                </a:solidFill>
+                <a:effectLst/>
+                <a:latin typeface="+mn-lt"/>
+                <a:ea typeface="+mn-ea"/>
+                <a:cs typeface="+mn-cs"/>
+              </a:rPr>
+              <a:t>Sequences</a:t>
+            </a:r>
+            <a:r>
+              <a:rPr lang="en-GB" sz="1200" b="0" i="0" kern="1200" dirty="0">
+                <a:solidFill>
+                  <a:schemeClr val="tx1"/>
+                </a:solidFill>
+                <a:effectLst/>
+                <a:latin typeface="+mn-lt"/>
+                <a:ea typeface="+mn-ea"/>
+                <a:cs typeface="+mn-cs"/>
+              </a:rPr>
+              <a:t>. Depending on your background you might be wondering: </a:t>
+            </a:r>
+            <a:r>
+              <a:rPr lang="en-GB" sz="1200" b="0" i="1" kern="1200" dirty="0">
+                <a:solidFill>
+                  <a:schemeClr val="tx1"/>
+                </a:solidFill>
+                <a:effectLst/>
+                <a:latin typeface="+mn-lt"/>
+                <a:ea typeface="+mn-ea"/>
+                <a:cs typeface="+mn-cs"/>
+              </a:rPr>
+              <a:t>What makes Recurrent Networks so special</a:t>
+            </a:r>
+          </a:p>
+          <a:p>
+            <a:endParaRPr lang="en-US" sz="1200" b="0" i="0" kern="1200" dirty="0">
+              <a:solidFill>
+                <a:schemeClr val="tx1"/>
+              </a:solidFill>
+              <a:effectLst/>
+              <a:latin typeface="+mn-lt"/>
+              <a:ea typeface="+mn-ea"/>
+              <a:cs typeface="+mn-cs"/>
+            </a:endParaRPr>
+          </a:p>
+          <a:p>
+            <a:r>
+              <a:rPr lang="en-GB" sz="1200" b="0" i="0" kern="1200" dirty="0">
+                <a:solidFill>
+                  <a:schemeClr val="tx1"/>
+                </a:solidFill>
+                <a:effectLst/>
+                <a:latin typeface="+mn-lt"/>
+                <a:ea typeface="+mn-ea"/>
+                <a:cs typeface="+mn-cs"/>
+              </a:rPr>
+              <a:t>Each rectangle is a vector and arrows represent functions (e.g. matrix multiply). Input vectors are in red, output vectors are in blue and green vectors hold the RNN's state (more on this soon). From left to right: </a:t>
+            </a:r>
+            <a:r>
+              <a:rPr lang="en-GB" sz="1200" b="1" i="0" kern="1200" dirty="0">
+                <a:solidFill>
+                  <a:schemeClr val="tx1"/>
+                </a:solidFill>
+                <a:effectLst/>
+                <a:latin typeface="+mn-lt"/>
+                <a:ea typeface="+mn-ea"/>
+                <a:cs typeface="+mn-cs"/>
+              </a:rPr>
+              <a:t>(1)</a:t>
+            </a:r>
+            <a:r>
+              <a:rPr lang="en-GB" sz="1200" b="0" i="0" kern="1200" dirty="0">
+                <a:solidFill>
+                  <a:schemeClr val="tx1"/>
+                </a:solidFill>
+                <a:effectLst/>
+                <a:latin typeface="+mn-lt"/>
+                <a:ea typeface="+mn-ea"/>
+                <a:cs typeface="+mn-cs"/>
+              </a:rPr>
+              <a:t> Vanilla mode of processing without RNN, from fixed-sized input to fixed-sized output (e.g. image classification). </a:t>
+            </a:r>
+            <a:r>
+              <a:rPr lang="en-GB" sz="1200" b="1" i="0" kern="1200" dirty="0">
+                <a:solidFill>
+                  <a:schemeClr val="tx1"/>
+                </a:solidFill>
+                <a:effectLst/>
+                <a:latin typeface="+mn-lt"/>
+                <a:ea typeface="+mn-ea"/>
+                <a:cs typeface="+mn-cs"/>
+              </a:rPr>
+              <a:t>(2)</a:t>
+            </a:r>
+            <a:r>
+              <a:rPr lang="en-GB" sz="1200" b="0" i="0" kern="1200" dirty="0">
+                <a:solidFill>
+                  <a:schemeClr val="tx1"/>
+                </a:solidFill>
+                <a:effectLst/>
+                <a:latin typeface="+mn-lt"/>
+                <a:ea typeface="+mn-ea"/>
+                <a:cs typeface="+mn-cs"/>
+              </a:rPr>
+              <a:t> Sequence output (e.g. image captioning takes an image and outputs a sentence of words). </a:t>
+            </a:r>
+            <a:r>
+              <a:rPr lang="en-GB" sz="1200" b="1" i="0" kern="1200" dirty="0">
+                <a:solidFill>
+                  <a:schemeClr val="tx1"/>
+                </a:solidFill>
+                <a:effectLst/>
+                <a:latin typeface="+mn-lt"/>
+                <a:ea typeface="+mn-ea"/>
+                <a:cs typeface="+mn-cs"/>
+              </a:rPr>
+              <a:t>(3)</a:t>
+            </a:r>
+            <a:r>
+              <a:rPr lang="en-GB" sz="1200" b="0" i="0" kern="1200" dirty="0">
+                <a:solidFill>
+                  <a:schemeClr val="tx1"/>
+                </a:solidFill>
+                <a:effectLst/>
+                <a:latin typeface="+mn-lt"/>
+                <a:ea typeface="+mn-ea"/>
+                <a:cs typeface="+mn-cs"/>
+              </a:rPr>
+              <a:t> Sequence input (e.g. sentiment analysis where a given sentence is classified as expressing positive or negative sentiment). </a:t>
+            </a:r>
+            <a:r>
+              <a:rPr lang="en-GB" sz="1200" b="1" i="0" kern="1200" dirty="0">
+                <a:solidFill>
+                  <a:schemeClr val="tx1"/>
+                </a:solidFill>
+                <a:effectLst/>
+                <a:latin typeface="+mn-lt"/>
+                <a:ea typeface="+mn-ea"/>
+                <a:cs typeface="+mn-cs"/>
+              </a:rPr>
+              <a:t>(4)</a:t>
+            </a:r>
+            <a:r>
+              <a:rPr lang="en-GB" sz="1200" b="0" i="0" kern="1200" dirty="0">
+                <a:solidFill>
+                  <a:schemeClr val="tx1"/>
+                </a:solidFill>
+                <a:effectLst/>
+                <a:latin typeface="+mn-lt"/>
+                <a:ea typeface="+mn-ea"/>
+                <a:cs typeface="+mn-cs"/>
+              </a:rPr>
+              <a:t> Sequence input and sequence output (e.g. Machine Translation: an RNN reads a sentence in English and then outputs a sentence in French). </a:t>
+            </a:r>
+            <a:r>
+              <a:rPr lang="en-GB" sz="1200" b="1" i="0" kern="1200" dirty="0">
+                <a:solidFill>
+                  <a:schemeClr val="tx1"/>
+                </a:solidFill>
+                <a:effectLst/>
+                <a:latin typeface="+mn-lt"/>
+                <a:ea typeface="+mn-ea"/>
+                <a:cs typeface="+mn-cs"/>
+              </a:rPr>
+              <a:t>(5)</a:t>
+            </a:r>
+            <a:r>
+              <a:rPr lang="en-GB" sz="1200" b="0" i="0" kern="1200" dirty="0">
+                <a:solidFill>
+                  <a:schemeClr val="tx1"/>
+                </a:solidFill>
+                <a:effectLst/>
+                <a:latin typeface="+mn-lt"/>
+                <a:ea typeface="+mn-ea"/>
+                <a:cs typeface="+mn-cs"/>
+              </a:rPr>
+              <a:t> Synced sequence input and output (e.g. video classification where we wish to label each frame of the video). Notice that in every case are no pre-specified constraints on the lengths sequences because the recurrent transformation (green) is fixed and can be applied as many times as we like.</a:t>
+            </a:r>
+          </a:p>
+          <a:p>
+            <a:endParaRPr lang="en-US" sz="1200" b="0" i="0" kern="1200" dirty="0">
+              <a:solidFill>
+                <a:schemeClr val="tx1"/>
+              </a:solidFill>
+              <a:effectLst/>
+              <a:latin typeface="+mn-lt"/>
+              <a:ea typeface="+mn-ea"/>
+              <a:cs typeface="+mn-cs"/>
+            </a:endParaRPr>
+          </a:p>
+          <a:p>
+            <a:pPr marL="0" marR="0" indent="0" algn="l" defTabSz="914400" rtl="0" eaLnBrk="1" fontAlgn="auto" latinLnBrk="0" hangingPunct="1">
+              <a:lnSpc>
+                <a:spcPct val="100000"/>
+              </a:lnSpc>
+              <a:spcBef>
+                <a:spcPts val="0"/>
+              </a:spcBef>
+              <a:spcAft>
+                <a:spcPts val="0"/>
+              </a:spcAft>
+              <a:buClrTx/>
+              <a:buSzTx/>
+              <a:buFontTx/>
+              <a:buNone/>
+              <a:tabLst/>
+              <a:defRPr/>
+            </a:pPr>
+            <a:r>
+              <a:rPr lang="en-GB" sz="1200" b="0" i="0" kern="1200" dirty="0">
+                <a:solidFill>
+                  <a:schemeClr val="tx1"/>
+                </a:solidFill>
+                <a:effectLst/>
+                <a:latin typeface="+mn-lt"/>
+                <a:ea typeface="+mn-ea"/>
+                <a:cs typeface="+mn-cs"/>
+              </a:rPr>
+              <a:t>A glaring limitation of Vanilla Neural Networks (and also Convolutional Networks) is that their API is too constrained: they accept a fixed-sized vector as input (e.g. an image) and produce a fixed-sized vector as output (e.g. probabilities of different classes). Not only that: These models perform this mapping using a fixed amount of computational steps (e.g. the number of layers in the model). The core reason that recurrent nets are more exciting is that they allow us to operate over </a:t>
+            </a:r>
+            <a:r>
+              <a:rPr lang="en-GB" sz="1200" b="0" i="1" kern="1200" dirty="0">
+                <a:solidFill>
+                  <a:schemeClr val="tx1"/>
+                </a:solidFill>
+                <a:effectLst/>
+                <a:latin typeface="+mn-lt"/>
+                <a:ea typeface="+mn-ea"/>
+                <a:cs typeface="+mn-cs"/>
+              </a:rPr>
+              <a:t>sequences</a:t>
+            </a:r>
+            <a:r>
+              <a:rPr lang="en-GB" sz="1200" b="0" i="0" kern="1200" dirty="0">
+                <a:solidFill>
+                  <a:schemeClr val="tx1"/>
+                </a:solidFill>
+                <a:effectLst/>
+                <a:latin typeface="+mn-lt"/>
+                <a:ea typeface="+mn-ea"/>
+                <a:cs typeface="+mn-cs"/>
+              </a:rPr>
+              <a:t> of vectors: Sequences in the input, the output, or in the most general case both. </a:t>
+            </a:r>
+            <a:endParaRPr lang="en-GB" dirty="0"/>
+          </a:p>
+          <a:p>
+            <a:endParaRPr lang="en-GB" dirty="0"/>
+          </a:p>
+        </p:txBody>
+      </p:sp>
+      <p:sp>
+        <p:nvSpPr>
+          <p:cNvPr id="4" name="Header Placeholder 3"/>
+          <p:cNvSpPr>
+            <a:spLocks noGrp="1"/>
+          </p:cNvSpPr>
+          <p:nvPr>
+            <p:ph type="hdr" sz="quarter" idx="10"/>
+          </p:nvPr>
+        </p:nvSpPr>
+        <p:spPr/>
+        <p:txBody>
+          <a:bodyPr/>
+          <a:lstStyle/>
+          <a:p>
+            <a:endParaRPr lang="en-GB"/>
+          </a:p>
+        </p:txBody>
+      </p:sp>
+      <p:sp>
+        <p:nvSpPr>
+          <p:cNvPr id="5" name="Slide Number Placeholder 4"/>
+          <p:cNvSpPr>
+            <a:spLocks noGrp="1"/>
+          </p:cNvSpPr>
+          <p:nvPr>
+            <p:ph type="sldNum" sz="quarter" idx="11"/>
+          </p:nvPr>
+        </p:nvSpPr>
+        <p:spPr/>
+        <p:txBody>
+          <a:bodyPr/>
+          <a:lstStyle/>
+          <a:p>
+            <a:fld id="{62C7DCC4-95BB-4596-92BE-0D57AC8B89B8}" type="slidenum">
+              <a:rPr lang="en-GB" smtClean="0"/>
+              <a:t>6</a:t>
+            </a:fld>
+            <a:endParaRPr lang="en-GB"/>
+          </a:p>
+        </p:txBody>
+      </p:sp>
+    </p:spTree>
+    <p:extLst>
+      <p:ext uri="{BB962C8B-B14F-4D97-AF65-F5344CB8AC3E}">
+        <p14:creationId xmlns:p14="http://schemas.microsoft.com/office/powerpoint/2010/main" val="1383956983"/>
+      </p:ext>
+    </p:extLst>
+  </p:cSld>
+  <p:clrMapOvr>
+    <a:masterClrMapping/>
+  </p:clrMapOvr>
+</p:notes>
+</file>
+
+<file path=ppt/notesSlides/notesSlide2.xml><?xml version="1.0" encoding="utf-8"?>
+<p:notes xmlns:a="http://schemas.openxmlformats.org/drawingml/2006/main" xmlns:r="http://schemas.openxmlformats.org/officeDocument/2006/relationships" xmlns:p="http://schemas.openxmlformats.org/presentationml/2006/main">
+  <p:cSld>
+    <p:spTree>
+      <p:nvGrpSpPr>
+        <p:cNvPr id="1" name=""/>
+        <p:cNvGrpSpPr/>
+        <p:nvPr/>
+      </p:nvGrpSpPr>
+      <p:grpSpPr>
+        <a:xfrm>
+          <a:off x="0" y="0"/>
+          <a:ext cx="0" cy="0"/>
+          <a:chOff x="0" y="0"/>
+          <a:chExt cx="0" cy="0"/>
+        </a:xfrm>
+      </p:grpSpPr>
+      <p:sp>
+        <p:nvSpPr>
+          <p:cNvPr id="2" name="幻灯片图像占位符 1"/>
+          <p:cNvSpPr>
+            <a:spLocks noGrp="1" noRot="1" noChangeAspect="1"/>
+          </p:cNvSpPr>
+          <p:nvPr>
+            <p:ph type="sldImg"/>
+          </p:nvPr>
+        </p:nvSpPr>
+        <p:spPr/>
+      </p:sp>
+      <p:sp>
+        <p:nvSpPr>
+          <p:cNvPr id="3" name="备注占位符 2"/>
+          <p:cNvSpPr>
+            <a:spLocks noGrp="1"/>
+          </p:cNvSpPr>
+          <p:nvPr>
+            <p:ph type="body" idx="1"/>
+          </p:nvPr>
+        </p:nvSpPr>
+        <p:spPr/>
+        <p:txBody>
+          <a:bodyPr/>
+          <a:lstStyle/>
+          <a:p>
+            <a:r>
+              <a:rPr lang="en-GB" altLang="zh-CN" sz="1200" b="0" i="0" kern="1200" dirty="0">
+                <a:solidFill>
+                  <a:schemeClr val="tx1"/>
+                </a:solidFill>
+                <a:effectLst/>
+                <a:latin typeface="+mn-lt"/>
+                <a:ea typeface="+mn-ea"/>
+                <a:cs typeface="+mn-cs"/>
+              </a:rPr>
+              <a:t>A new hybrid front-end seamlessly transitions between eager mode and graph mode to provide both flexibility and speed.</a:t>
+            </a:r>
+          </a:p>
+          <a:p>
+            <a:endParaRPr lang="en-GB" altLang="zh-CN" sz="1200" b="0" i="0" kern="1200" dirty="0">
+              <a:solidFill>
+                <a:schemeClr val="tx1"/>
+              </a:solidFill>
+              <a:effectLst/>
+              <a:latin typeface="+mn-lt"/>
+              <a:ea typeface="+mn-ea"/>
+              <a:cs typeface="+mn-cs"/>
+            </a:endParaRPr>
+          </a:p>
+          <a:p>
+            <a:r>
+              <a:rPr lang="en-GB" altLang="zh-CN" sz="1200" b="0" i="0" kern="1200" dirty="0">
+                <a:solidFill>
+                  <a:schemeClr val="tx1"/>
+                </a:solidFill>
+                <a:effectLst/>
+                <a:latin typeface="+mn-lt"/>
+                <a:ea typeface="+mn-ea"/>
+                <a:cs typeface="+mn-cs"/>
+              </a:rPr>
+              <a:t>Scalable distributed training and performance optimization in research and production is enabled by the </a:t>
+            </a:r>
+            <a:r>
+              <a:rPr lang="en-GB" altLang="zh-CN" sz="1200" b="0" i="0" kern="1200" dirty="0" err="1">
+                <a:solidFill>
+                  <a:schemeClr val="tx1"/>
+                </a:solidFill>
+                <a:effectLst/>
+                <a:latin typeface="+mn-lt"/>
+                <a:ea typeface="+mn-ea"/>
+                <a:cs typeface="+mn-cs"/>
+              </a:rPr>
+              <a:t>torch.distributed</a:t>
+            </a:r>
+            <a:r>
+              <a:rPr lang="en-GB" altLang="zh-CN" sz="1200" b="0" i="0" kern="1200" dirty="0">
+                <a:solidFill>
+                  <a:schemeClr val="tx1"/>
+                </a:solidFill>
+                <a:effectLst/>
+                <a:latin typeface="+mn-lt"/>
+                <a:ea typeface="+mn-ea"/>
+                <a:cs typeface="+mn-cs"/>
+              </a:rPr>
+              <a:t> backend.</a:t>
+            </a:r>
+          </a:p>
+          <a:p>
+            <a:endParaRPr lang="en-GB" altLang="zh-CN" sz="1200" b="0" i="0" kern="1200" dirty="0">
+              <a:solidFill>
+                <a:schemeClr val="tx1"/>
+              </a:solidFill>
+              <a:effectLst/>
+              <a:latin typeface="+mn-lt"/>
+              <a:ea typeface="+mn-ea"/>
+              <a:cs typeface="+mn-cs"/>
+            </a:endParaRPr>
+          </a:p>
+          <a:p>
+            <a:r>
+              <a:rPr lang="en-GB" altLang="zh-CN" sz="1200" b="0" i="0" kern="1200" dirty="0">
+                <a:solidFill>
+                  <a:schemeClr val="tx1"/>
+                </a:solidFill>
+                <a:effectLst/>
+                <a:latin typeface="+mn-lt"/>
+                <a:ea typeface="+mn-ea"/>
+                <a:cs typeface="+mn-cs"/>
+              </a:rPr>
+              <a:t>Deep integration into Python allows popular libraries and packages to be used for easily writing neural network layers in Python.</a:t>
+            </a:r>
+          </a:p>
+          <a:p>
+            <a:endParaRPr lang="en-GB" altLang="zh-CN" sz="1200" b="0" i="0" kern="1200" dirty="0">
+              <a:solidFill>
+                <a:schemeClr val="tx1"/>
+              </a:solidFill>
+              <a:effectLst/>
+              <a:latin typeface="+mn-lt"/>
+              <a:ea typeface="+mn-ea"/>
+              <a:cs typeface="+mn-cs"/>
+            </a:endParaRPr>
+          </a:p>
+          <a:p>
+            <a:r>
+              <a:rPr lang="en-GB" altLang="zh-CN" sz="1200" b="0" i="0" kern="1200" dirty="0">
+                <a:solidFill>
+                  <a:schemeClr val="tx1"/>
+                </a:solidFill>
+                <a:effectLst/>
+                <a:latin typeface="+mn-lt"/>
+                <a:ea typeface="+mn-ea"/>
+                <a:cs typeface="+mn-cs"/>
+              </a:rPr>
+              <a:t>A rich ecosystem of tools and libraries extends </a:t>
+            </a:r>
+            <a:r>
+              <a:rPr lang="en-GB" altLang="zh-CN" sz="1200" b="0" i="0" kern="1200" dirty="0" err="1">
+                <a:solidFill>
+                  <a:schemeClr val="tx1"/>
+                </a:solidFill>
+                <a:effectLst/>
+                <a:latin typeface="+mn-lt"/>
+                <a:ea typeface="+mn-ea"/>
+                <a:cs typeface="+mn-cs"/>
+              </a:rPr>
+              <a:t>PyTorch</a:t>
+            </a:r>
+            <a:r>
+              <a:rPr lang="en-GB" altLang="zh-CN" sz="1200" b="0" i="0" kern="1200" dirty="0">
+                <a:solidFill>
+                  <a:schemeClr val="tx1"/>
+                </a:solidFill>
+                <a:effectLst/>
+                <a:latin typeface="+mn-lt"/>
+                <a:ea typeface="+mn-ea"/>
+                <a:cs typeface="+mn-cs"/>
+              </a:rPr>
+              <a:t> and supports development in computer vision, NLP and more.</a:t>
+            </a:r>
+            <a:endParaRPr lang="zh-CN" altLang="en-US" dirty="0"/>
+          </a:p>
+        </p:txBody>
+      </p:sp>
+      <p:sp>
+        <p:nvSpPr>
+          <p:cNvPr id="4" name="灯片编号占位符 3"/>
+          <p:cNvSpPr>
+            <a:spLocks noGrp="1"/>
+          </p:cNvSpPr>
+          <p:nvPr>
+            <p:ph type="sldNum" sz="quarter" idx="5"/>
+          </p:nvPr>
+        </p:nvSpPr>
+        <p:spPr/>
+        <p:txBody>
+          <a:bodyPr/>
+          <a:lstStyle/>
+          <a:p>
+            <a:fld id="{D0CA3166-A36D-43A3-A50C-6C4A4EA83EFC}" type="slidenum">
+              <a:rPr lang="zh-CN" altLang="en-US" smtClean="0"/>
+              <a:t>8</a:t>
+            </a:fld>
+            <a:endParaRPr lang="zh-CN" altLang="en-US"/>
+          </a:p>
+        </p:txBody>
+      </p:sp>
+    </p:spTree>
+    <p:extLst>
+      <p:ext uri="{BB962C8B-B14F-4D97-AF65-F5344CB8AC3E}">
+        <p14:creationId xmlns:p14="http://schemas.microsoft.com/office/powerpoint/2010/main" val="1846641673"/>
+      </p:ext>
+    </p:extLst>
+  </p:cSld>
+  <p:clrMapOvr>
+    <a:masterClrMapping/>
+  </p:clrMapOvr>
+</p:notes>
 </file>
 
 <file path=ppt/slideLayouts/slideLayout1.xml><?xml version="1.0" encoding="utf-8"?>
@@ -4495,6 +5070,812 @@
 </p:sld>
 </file>
 
+<file path=ppt/slides/slide10.xml><?xml version="1.0" encoding="utf-8"?>
+<p:sld xmlns:a="http://schemas.openxmlformats.org/drawingml/2006/main" xmlns:r="http://schemas.openxmlformats.org/officeDocument/2006/relationships" xmlns:p="http://schemas.openxmlformats.org/presentationml/2006/main">
+  <p:cSld>
+    <p:spTree>
+      <p:nvGrpSpPr>
+        <p:cNvPr id="1" name=""/>
+        <p:cNvGrpSpPr/>
+        <p:nvPr/>
+      </p:nvGrpSpPr>
+      <p:grpSpPr>
+        <a:xfrm>
+          <a:off x="0" y="0"/>
+          <a:ext cx="0" cy="0"/>
+          <a:chOff x="0" y="0"/>
+          <a:chExt cx="0" cy="0"/>
+        </a:xfrm>
+      </p:grpSpPr>
+      <p:sp>
+        <p:nvSpPr>
+          <p:cNvPr id="2" name="标题 1">
+            <a:extLst>
+              <a:ext uri="{FF2B5EF4-FFF2-40B4-BE49-F238E27FC236}">
+                <a16:creationId xmlns:a16="http://schemas.microsoft.com/office/drawing/2014/main" id="{5462D12F-C276-45B6-A78A-6C5FC7B7D08A}"/>
+              </a:ext>
+            </a:extLst>
+          </p:cNvPr>
+          <p:cNvSpPr>
+            <a:spLocks noGrp="1"/>
+          </p:cNvSpPr>
+          <p:nvPr>
+            <p:ph type="title"/>
+          </p:nvPr>
+        </p:nvSpPr>
+        <p:spPr/>
+        <p:txBody>
+          <a:bodyPr/>
+          <a:lstStyle/>
+          <a:p>
+            <a:r>
+              <a:rPr lang="en-US" altLang="zh-CN" dirty="0"/>
+              <a:t>Final Assignment</a:t>
+            </a:r>
+            <a:endParaRPr lang="zh-CN" altLang="en-US" dirty="0"/>
+          </a:p>
+        </p:txBody>
+      </p:sp>
+      <p:sp>
+        <p:nvSpPr>
+          <p:cNvPr id="3" name="内容占位符 2">
+            <a:extLst>
+              <a:ext uri="{FF2B5EF4-FFF2-40B4-BE49-F238E27FC236}">
+                <a16:creationId xmlns:a16="http://schemas.microsoft.com/office/drawing/2014/main" id="{EFA90529-7C0E-4A7F-9664-49088193879C}"/>
+              </a:ext>
+            </a:extLst>
+          </p:cNvPr>
+          <p:cNvSpPr>
+            <a:spLocks noGrp="1"/>
+          </p:cNvSpPr>
+          <p:nvPr>
+            <p:ph idx="1"/>
+          </p:nvPr>
+        </p:nvSpPr>
+        <p:spPr/>
+        <p:txBody>
+          <a:bodyPr>
+            <a:normAutofit fontScale="92500" lnSpcReduction="20000"/>
+          </a:bodyPr>
+          <a:lstStyle/>
+          <a:p>
+            <a:pPr marL="457200" indent="-457200">
+              <a:buFont typeface="+mj-lt"/>
+              <a:buAutoNum type="arabicPeriod"/>
+            </a:pPr>
+            <a:r>
+              <a:rPr lang="zh-CN" altLang="en-US" sz="3200" dirty="0"/>
+              <a:t>开放作业，鼓励合作分工，知识互补</a:t>
+            </a:r>
+            <a:endParaRPr lang="en-US" altLang="zh-CN" sz="3200" dirty="0"/>
+          </a:p>
+          <a:p>
+            <a:pPr marL="457200" indent="-457200">
+              <a:buFont typeface="+mj-lt"/>
+              <a:buAutoNum type="arabicPeriod"/>
+            </a:pPr>
+            <a:r>
+              <a:rPr lang="en-US" altLang="zh-CN" sz="3200" dirty="0"/>
+              <a:t>Deadline: 05-29 </a:t>
+            </a:r>
+            <a:r>
+              <a:rPr lang="zh-CN" altLang="en-US" sz="3200" dirty="0"/>
+              <a:t>号 （下周三）</a:t>
+            </a:r>
+            <a:endParaRPr lang="en-US" altLang="zh-CN" sz="3200" dirty="0"/>
+          </a:p>
+          <a:p>
+            <a:pPr marL="457200" indent="-457200">
+              <a:buFont typeface="+mj-lt"/>
+              <a:buAutoNum type="arabicPeriod"/>
+            </a:pPr>
+            <a:r>
+              <a:rPr lang="zh-CN" altLang="en-US" sz="3200" dirty="0"/>
+              <a:t>组员人数： </a:t>
+            </a:r>
+            <a:r>
+              <a:rPr lang="en-US" altLang="zh-CN" sz="3200" dirty="0"/>
+              <a:t>3</a:t>
+            </a:r>
+            <a:r>
+              <a:rPr lang="zh-CN" altLang="en-US" sz="3200" dirty="0"/>
+              <a:t>人一个小组。</a:t>
+            </a:r>
+            <a:endParaRPr lang="en-US" altLang="zh-CN" sz="3200" dirty="0"/>
+          </a:p>
+          <a:p>
+            <a:pPr marL="457200" indent="-457200">
+              <a:buFont typeface="+mj-lt"/>
+              <a:buAutoNum type="arabicPeriod"/>
+            </a:pPr>
+            <a:r>
+              <a:rPr lang="zh-CN" altLang="en-US" sz="3200" dirty="0"/>
+              <a:t>要求： </a:t>
+            </a:r>
+            <a:endParaRPr lang="en-GB" altLang="zh-CN" sz="3200" dirty="0"/>
+          </a:p>
+          <a:p>
+            <a:pPr marL="749808" lvl="1" indent="-457200">
+              <a:buFont typeface="+mj-lt"/>
+              <a:buAutoNum type="arabicPeriod"/>
+            </a:pPr>
+            <a:r>
+              <a:rPr lang="en-US" altLang="zh-CN" sz="2800" dirty="0"/>
+              <a:t>2</a:t>
+            </a:r>
+            <a:r>
+              <a:rPr lang="zh-CN" altLang="en-US" sz="2800" dirty="0"/>
+              <a:t>页</a:t>
+            </a:r>
+            <a:r>
+              <a:rPr lang="en-US" altLang="zh-CN" sz="2800" dirty="0"/>
+              <a:t>PDF(</a:t>
+            </a:r>
+            <a:r>
+              <a:rPr lang="zh-CN" altLang="en-US" sz="2800" dirty="0"/>
+              <a:t>用</a:t>
+            </a:r>
+            <a:r>
+              <a:rPr lang="en-US" altLang="zh-CN" sz="2800" dirty="0"/>
+              <a:t>Latex</a:t>
+            </a:r>
+            <a:r>
+              <a:rPr lang="zh-CN" altLang="en-US" sz="2800" dirty="0"/>
+              <a:t>编写）</a:t>
+            </a:r>
+            <a:endParaRPr lang="en-US" altLang="zh-CN" sz="2800" dirty="0"/>
+          </a:p>
+          <a:p>
+            <a:pPr marL="749808" lvl="1" indent="-457200">
+              <a:buFont typeface="+mj-lt"/>
+              <a:buAutoNum type="arabicPeriod"/>
+            </a:pPr>
+            <a:r>
+              <a:rPr lang="zh-CN" altLang="en-US" sz="3000" dirty="0"/>
+              <a:t>口头报告</a:t>
+            </a:r>
+            <a:r>
+              <a:rPr lang="en-US" altLang="zh-CN" sz="3000" dirty="0"/>
+              <a:t>(10</a:t>
+            </a:r>
+            <a:r>
+              <a:rPr lang="zh-CN" altLang="en-US" sz="3000" dirty="0"/>
+              <a:t>分钟</a:t>
+            </a:r>
+            <a:r>
+              <a:rPr lang="en-US" altLang="zh-CN" sz="3000" dirty="0"/>
+              <a:t>)</a:t>
+            </a:r>
+            <a:r>
+              <a:rPr lang="zh-CN" altLang="en-US" sz="3000" dirty="0"/>
+              <a:t>， </a:t>
+            </a:r>
+            <a:r>
+              <a:rPr lang="en-US" altLang="zh-CN" sz="3000" dirty="0"/>
+              <a:t>PPT</a:t>
+            </a:r>
+            <a:r>
+              <a:rPr lang="en-GB" altLang="zh-CN" sz="3000" dirty="0"/>
+              <a:t>. </a:t>
+            </a:r>
+          </a:p>
+          <a:p>
+            <a:pPr marL="749808" lvl="1" indent="-457200">
+              <a:buFont typeface="+mj-lt"/>
+              <a:buAutoNum type="arabicPeriod"/>
+            </a:pPr>
+            <a:r>
+              <a:rPr lang="en-GB" altLang="zh-CN" sz="3000" dirty="0"/>
+              <a:t>(Optional) </a:t>
+            </a:r>
+            <a:r>
+              <a:rPr lang="zh-CN" altLang="en-US" sz="3000" dirty="0"/>
+              <a:t>现场演示</a:t>
+            </a:r>
+            <a:endParaRPr lang="en-GB" altLang="zh-CN" sz="3000" dirty="0"/>
+          </a:p>
+          <a:p>
+            <a:pPr marL="457200" indent="-457200">
+              <a:buFont typeface="+mj-lt"/>
+              <a:buAutoNum type="arabicPeriod"/>
+            </a:pPr>
+            <a:r>
+              <a:rPr lang="en-US" altLang="zh-CN" sz="3200" dirty="0"/>
+              <a:t>Create a subfolder and name the subfolder under </a:t>
+            </a:r>
+            <a:r>
+              <a:rPr lang="en-US" altLang="zh-CN" sz="2600" b="1" i="1" dirty="0" err="1"/>
+              <a:t>AI_Precourse</a:t>
+            </a:r>
+            <a:r>
+              <a:rPr lang="en-US" altLang="zh-CN" sz="2600" b="1" i="1" dirty="0"/>
+              <a:t>\Week6_Final_assignment\</a:t>
+            </a:r>
+            <a:r>
+              <a:rPr lang="en-US" altLang="zh-CN" sz="2600" b="1" i="1" dirty="0" err="1"/>
+              <a:t>Your_group_number</a:t>
+            </a:r>
+            <a:endParaRPr lang="en-US" altLang="zh-CN" sz="2600" b="1" i="1" dirty="0"/>
+          </a:p>
+        </p:txBody>
+      </p:sp>
+      <p:sp>
+        <p:nvSpPr>
+          <p:cNvPr id="4" name="AutoShape 2" descr="Face Detection">
+            <a:extLst>
+              <a:ext uri="{FF2B5EF4-FFF2-40B4-BE49-F238E27FC236}">
+                <a16:creationId xmlns:a16="http://schemas.microsoft.com/office/drawing/2014/main" id="{69AC6CCB-1BFE-4D86-9375-114954915166}"/>
+              </a:ext>
+            </a:extLst>
+          </p:cNvPr>
+          <p:cNvSpPr>
+            <a:spLocks noChangeAspect="1" noChangeArrowheads="1"/>
+          </p:cNvSpPr>
+          <p:nvPr/>
+        </p:nvSpPr>
+        <p:spPr bwMode="auto">
+          <a:xfrm>
+            <a:off x="5943600" y="3276600"/>
+            <a:ext cx="304800" cy="304800"/>
+          </a:xfrm>
+          <a:prstGeom prst="rect">
+            <a:avLst/>
+          </a:prstGeom>
+          <a:noFill/>
+          <a:extLst>
+            <a:ext uri="{909E8E84-426E-40DD-AFC4-6F175D3DCCD1}">
+              <a14:hiddenFill xmlns:a14="http://schemas.microsoft.com/office/drawing/2010/main">
+                <a:solidFill>
+                  <a:srgbClr val="FFFFFF"/>
+                </a:solidFill>
+              </a14:hiddenFill>
+            </a:ext>
+          </a:extLst>
+        </p:spPr>
+        <p:txBody>
+          <a:bodyPr vert="horz" wrap="square" lIns="91440" tIns="45720" rIns="91440" bIns="45720" numCol="1" anchor="t" anchorCtr="0" compatLnSpc="1">
+            <a:prstTxWarp prst="textNoShape">
+              <a:avLst/>
+            </a:prstTxWarp>
+          </a:bodyPr>
+          <a:lstStyle/>
+          <a:p>
+            <a:endParaRPr lang="zh-CN" altLang="en-US"/>
+          </a:p>
+        </p:txBody>
+      </p:sp>
+    </p:spTree>
+    <p:extLst>
+      <p:ext uri="{BB962C8B-B14F-4D97-AF65-F5344CB8AC3E}">
+        <p14:creationId xmlns:p14="http://schemas.microsoft.com/office/powerpoint/2010/main" val="3743737642"/>
+      </p:ext>
+    </p:extLst>
+  </p:cSld>
+  <p:clrMapOvr>
+    <a:masterClrMapping/>
+  </p:clrMapOvr>
+</p:sld>
+</file>
+
+<file path=ppt/slides/slide11.xml><?xml version="1.0" encoding="utf-8"?>
+<p:sld xmlns:a="http://schemas.openxmlformats.org/drawingml/2006/main" xmlns:r="http://schemas.openxmlformats.org/officeDocument/2006/relationships" xmlns:p="http://schemas.openxmlformats.org/presentationml/2006/main">
+  <p:cSld>
+    <p:spTree>
+      <p:nvGrpSpPr>
+        <p:cNvPr id="1" name=""/>
+        <p:cNvGrpSpPr/>
+        <p:nvPr/>
+      </p:nvGrpSpPr>
+      <p:grpSpPr>
+        <a:xfrm>
+          <a:off x="0" y="0"/>
+          <a:ext cx="0" cy="0"/>
+          <a:chOff x="0" y="0"/>
+          <a:chExt cx="0" cy="0"/>
+        </a:xfrm>
+      </p:grpSpPr>
+      <p:graphicFrame>
+        <p:nvGraphicFramePr>
+          <p:cNvPr id="2" name="表格 1">
+            <a:extLst>
+              <a:ext uri="{FF2B5EF4-FFF2-40B4-BE49-F238E27FC236}">
+                <a16:creationId xmlns:a16="http://schemas.microsoft.com/office/drawing/2014/main" id="{F4DD7C3D-8C84-42C1-9F74-621CE9E244EE}"/>
+              </a:ext>
+            </a:extLst>
+          </p:cNvPr>
+          <p:cNvGraphicFramePr>
+            <a:graphicFrameLocks noGrp="1"/>
+          </p:cNvGraphicFramePr>
+          <p:nvPr>
+            <p:extLst>
+              <p:ext uri="{D42A27DB-BD31-4B8C-83A1-F6EECF244321}">
+                <p14:modId xmlns:p14="http://schemas.microsoft.com/office/powerpoint/2010/main" val="4228405350"/>
+              </p:ext>
+            </p:extLst>
+          </p:nvPr>
+        </p:nvGraphicFramePr>
+        <p:xfrm>
+          <a:off x="691376" y="1210640"/>
+          <a:ext cx="9935736" cy="4436720"/>
+        </p:xfrm>
+        <a:graphic>
+          <a:graphicData uri="http://schemas.openxmlformats.org/drawingml/2006/table">
+            <a:tbl>
+              <a:tblPr firstRow="1" bandRow="1">
+                <a:tableStyleId>{5C22544A-7EE6-4342-B048-85BDC9FD1C3A}</a:tableStyleId>
+              </a:tblPr>
+              <a:tblGrid>
+                <a:gridCol w="2483934">
+                  <a:extLst>
+                    <a:ext uri="{9D8B030D-6E8A-4147-A177-3AD203B41FA5}">
+                      <a16:colId xmlns:a16="http://schemas.microsoft.com/office/drawing/2014/main" val="2973401471"/>
+                    </a:ext>
+                  </a:extLst>
+                </a:gridCol>
+                <a:gridCol w="2483934">
+                  <a:extLst>
+                    <a:ext uri="{9D8B030D-6E8A-4147-A177-3AD203B41FA5}">
+                      <a16:colId xmlns:a16="http://schemas.microsoft.com/office/drawing/2014/main" val="2687428209"/>
+                    </a:ext>
+                  </a:extLst>
+                </a:gridCol>
+                <a:gridCol w="2483934">
+                  <a:extLst>
+                    <a:ext uri="{9D8B030D-6E8A-4147-A177-3AD203B41FA5}">
+                      <a16:colId xmlns:a16="http://schemas.microsoft.com/office/drawing/2014/main" val="344912146"/>
+                    </a:ext>
+                  </a:extLst>
+                </a:gridCol>
+                <a:gridCol w="2483934">
+                  <a:extLst>
+                    <a:ext uri="{9D8B030D-6E8A-4147-A177-3AD203B41FA5}">
+                      <a16:colId xmlns:a16="http://schemas.microsoft.com/office/drawing/2014/main" val="651787271"/>
+                    </a:ext>
+                  </a:extLst>
+                </a:gridCol>
+              </a:tblGrid>
+              <a:tr h="579862">
+                <a:tc>
+                  <a:txBody>
+                    <a:bodyPr/>
+                    <a:lstStyle/>
+                    <a:p>
+                      <a:pPr algn="ctr"/>
+                      <a:r>
+                        <a:rPr lang="zh-CN" altLang="en-US" dirty="0"/>
+                        <a:t>小组</a:t>
+                      </a:r>
+                    </a:p>
+                  </a:txBody>
+                  <a:tcPr/>
+                </a:tc>
+                <a:tc>
+                  <a:txBody>
+                    <a:bodyPr/>
+                    <a:lstStyle/>
+                    <a:p>
+                      <a:pPr algn="ctr"/>
+                      <a:r>
+                        <a:rPr lang="zh-CN" altLang="en-US" dirty="0"/>
+                        <a:t>组员</a:t>
+                      </a:r>
+                      <a:r>
+                        <a:rPr lang="en-US" altLang="zh-CN" dirty="0"/>
+                        <a:t>1</a:t>
+                      </a:r>
+                      <a:endParaRPr lang="zh-CN" altLang="en-US" dirty="0"/>
+                    </a:p>
+                  </a:txBody>
+                  <a:tcPr/>
+                </a:tc>
+                <a:tc>
+                  <a:txBody>
+                    <a:bodyPr/>
+                    <a:lstStyle/>
+                    <a:p>
+                      <a:pPr marL="0" marR="0" lvl="0" indent="0" algn="ctr" defTabSz="914400" rtl="0" eaLnBrk="1" fontAlgn="auto" latinLnBrk="0" hangingPunct="1">
+                        <a:lnSpc>
+                          <a:spcPct val="100000"/>
+                        </a:lnSpc>
+                        <a:spcBef>
+                          <a:spcPts val="0"/>
+                        </a:spcBef>
+                        <a:spcAft>
+                          <a:spcPts val="0"/>
+                        </a:spcAft>
+                        <a:buClrTx/>
+                        <a:buSzTx/>
+                        <a:buFontTx/>
+                        <a:buNone/>
+                        <a:tabLst/>
+                        <a:defRPr/>
+                      </a:pPr>
+                      <a:r>
+                        <a:rPr lang="zh-CN" altLang="en-US" dirty="0"/>
+                        <a:t>组员</a:t>
+                      </a:r>
+                      <a:r>
+                        <a:rPr lang="en-US" altLang="zh-CN" dirty="0"/>
+                        <a:t>2</a:t>
+                      </a:r>
+                      <a:endParaRPr lang="zh-CN" altLang="en-US" dirty="0"/>
+                    </a:p>
+                    <a:p>
+                      <a:pPr algn="ctr"/>
+                      <a:endParaRPr lang="zh-CN" altLang="en-US" dirty="0"/>
+                    </a:p>
+                  </a:txBody>
+                  <a:tcPr/>
+                </a:tc>
+                <a:tc>
+                  <a:txBody>
+                    <a:bodyPr/>
+                    <a:lstStyle/>
+                    <a:p>
+                      <a:pPr marL="0" marR="0" lvl="0" indent="0" algn="ctr" defTabSz="914400" rtl="0" eaLnBrk="1" fontAlgn="auto" latinLnBrk="0" hangingPunct="1">
+                        <a:lnSpc>
+                          <a:spcPct val="100000"/>
+                        </a:lnSpc>
+                        <a:spcBef>
+                          <a:spcPts val="0"/>
+                        </a:spcBef>
+                        <a:spcAft>
+                          <a:spcPts val="0"/>
+                        </a:spcAft>
+                        <a:buClrTx/>
+                        <a:buSzTx/>
+                        <a:buFontTx/>
+                        <a:buNone/>
+                        <a:tabLst/>
+                        <a:defRPr/>
+                      </a:pPr>
+                      <a:r>
+                        <a:rPr lang="zh-CN" altLang="en-US" dirty="0"/>
+                        <a:t>组员</a:t>
+                      </a:r>
+                      <a:r>
+                        <a:rPr lang="en-US" altLang="zh-CN" dirty="0"/>
+                        <a:t>3</a:t>
+                      </a:r>
+                      <a:endParaRPr lang="zh-CN" altLang="en-US" dirty="0"/>
+                    </a:p>
+                  </a:txBody>
+                  <a:tcPr/>
+                </a:tc>
+                <a:extLst>
+                  <a:ext uri="{0D108BD9-81ED-4DB2-BD59-A6C34878D82A}">
+                    <a16:rowId xmlns:a16="http://schemas.microsoft.com/office/drawing/2014/main" val="217344023"/>
+                  </a:ext>
+                </a:extLst>
+              </a:tr>
+              <a:tr h="759328">
+                <a:tc>
+                  <a:txBody>
+                    <a:bodyPr/>
+                    <a:lstStyle/>
+                    <a:p>
+                      <a:pPr algn="ctr"/>
+                      <a:r>
+                        <a:rPr lang="en-US" altLang="zh-CN" dirty="0"/>
+                        <a:t>1</a:t>
+                      </a:r>
+                      <a:endParaRPr lang="zh-CN" altLang="en-US" dirty="0"/>
+                    </a:p>
+                  </a:txBody>
+                  <a:tcPr/>
+                </a:tc>
+                <a:tc>
+                  <a:txBody>
+                    <a:bodyPr/>
+                    <a:lstStyle/>
+                    <a:p>
+                      <a:pPr algn="ctr"/>
+                      <a:r>
+                        <a:rPr lang="zh-CN" altLang="en-US" dirty="0"/>
+                        <a:t>李宝伟</a:t>
+                      </a:r>
+                    </a:p>
+                  </a:txBody>
+                  <a:tcPr/>
+                </a:tc>
+                <a:tc>
+                  <a:txBody>
+                    <a:bodyPr/>
+                    <a:lstStyle/>
+                    <a:p>
+                      <a:pPr algn="ctr"/>
+                      <a:r>
+                        <a:rPr lang="zh-CN" altLang="en-US" dirty="0"/>
+                        <a:t>张子垚</a:t>
+                      </a:r>
+                    </a:p>
+                  </a:txBody>
+                  <a:tcPr/>
+                </a:tc>
+                <a:tc>
+                  <a:txBody>
+                    <a:bodyPr/>
+                    <a:lstStyle/>
+                    <a:p>
+                      <a:pPr algn="ctr"/>
+                      <a:r>
+                        <a:rPr lang="zh-CN" altLang="en-US" dirty="0"/>
+                        <a:t>何湛辉</a:t>
+                      </a:r>
+                    </a:p>
+                  </a:txBody>
+                  <a:tcPr/>
+                </a:tc>
+                <a:extLst>
+                  <a:ext uri="{0D108BD9-81ED-4DB2-BD59-A6C34878D82A}">
+                    <a16:rowId xmlns:a16="http://schemas.microsoft.com/office/drawing/2014/main" val="3029520444"/>
+                  </a:ext>
+                </a:extLst>
+              </a:tr>
+              <a:tr h="759328">
+                <a:tc>
+                  <a:txBody>
+                    <a:bodyPr/>
+                    <a:lstStyle/>
+                    <a:p>
+                      <a:pPr algn="ctr"/>
+                      <a:r>
+                        <a:rPr lang="en-US" altLang="zh-CN" dirty="0"/>
+                        <a:t>2</a:t>
+                      </a:r>
+                      <a:endParaRPr lang="zh-CN" altLang="en-US" dirty="0"/>
+                    </a:p>
+                  </a:txBody>
+                  <a:tcPr/>
+                </a:tc>
+                <a:tc>
+                  <a:txBody>
+                    <a:bodyPr/>
+                    <a:lstStyle/>
+                    <a:p>
+                      <a:pPr algn="ctr"/>
+                      <a:r>
+                        <a:rPr lang="zh-CN" altLang="en-US" dirty="0"/>
+                        <a:t>刘俊麟</a:t>
+                      </a:r>
+                    </a:p>
+                  </a:txBody>
+                  <a:tcPr/>
+                </a:tc>
+                <a:tc>
+                  <a:txBody>
+                    <a:bodyPr/>
+                    <a:lstStyle/>
+                    <a:p>
+                      <a:pPr algn="ctr"/>
+                      <a:r>
+                        <a:rPr lang="zh-CN" altLang="en-US" dirty="0"/>
+                        <a:t>祝瑞</a:t>
+                      </a:r>
+                    </a:p>
+                  </a:txBody>
+                  <a:tcPr/>
+                </a:tc>
+                <a:tc>
+                  <a:txBody>
+                    <a:bodyPr/>
+                    <a:lstStyle/>
+                    <a:p>
+                      <a:pPr algn="ctr"/>
+                      <a:r>
+                        <a:rPr lang="zh-CN" altLang="en-US" dirty="0"/>
+                        <a:t>吴浩邦</a:t>
+                      </a:r>
+                    </a:p>
+                  </a:txBody>
+                  <a:tcPr/>
+                </a:tc>
+                <a:extLst>
+                  <a:ext uri="{0D108BD9-81ED-4DB2-BD59-A6C34878D82A}">
+                    <a16:rowId xmlns:a16="http://schemas.microsoft.com/office/drawing/2014/main" val="3697452"/>
+                  </a:ext>
+                </a:extLst>
+              </a:tr>
+              <a:tr h="759328">
+                <a:tc>
+                  <a:txBody>
+                    <a:bodyPr/>
+                    <a:lstStyle/>
+                    <a:p>
+                      <a:pPr algn="ctr"/>
+                      <a:r>
+                        <a:rPr lang="en-US" altLang="zh-CN" dirty="0"/>
+                        <a:t>3</a:t>
+                      </a:r>
+                      <a:endParaRPr lang="zh-CN" altLang="en-US" dirty="0"/>
+                    </a:p>
+                  </a:txBody>
+                  <a:tcPr/>
+                </a:tc>
+                <a:tc>
+                  <a:txBody>
+                    <a:bodyPr/>
+                    <a:lstStyle/>
+                    <a:p>
+                      <a:pPr algn="ctr"/>
+                      <a:r>
+                        <a:rPr lang="zh-CN" altLang="en-US" dirty="0"/>
+                        <a:t>黄华振</a:t>
+                      </a:r>
+                    </a:p>
+                  </a:txBody>
+                  <a:tcPr/>
+                </a:tc>
+                <a:tc>
+                  <a:txBody>
+                    <a:bodyPr/>
+                    <a:lstStyle/>
+                    <a:p>
+                      <a:pPr algn="ctr"/>
+                      <a:r>
+                        <a:rPr lang="zh-CN" altLang="en-US" dirty="0"/>
+                        <a:t>黄少聪</a:t>
+                      </a:r>
+                    </a:p>
+                  </a:txBody>
+                  <a:tcPr/>
+                </a:tc>
+                <a:tc>
+                  <a:txBody>
+                    <a:bodyPr/>
+                    <a:lstStyle/>
+                    <a:p>
+                      <a:pPr algn="ctr"/>
+                      <a:r>
+                        <a:rPr lang="zh-CN" altLang="en-US" dirty="0"/>
+                        <a:t>陈凯鹏</a:t>
+                      </a:r>
+                    </a:p>
+                  </a:txBody>
+                  <a:tcPr/>
+                </a:tc>
+                <a:extLst>
+                  <a:ext uri="{0D108BD9-81ED-4DB2-BD59-A6C34878D82A}">
+                    <a16:rowId xmlns:a16="http://schemas.microsoft.com/office/drawing/2014/main" val="2297548425"/>
+                  </a:ext>
+                </a:extLst>
+              </a:tr>
+              <a:tr h="759328">
+                <a:tc>
+                  <a:txBody>
+                    <a:bodyPr/>
+                    <a:lstStyle/>
+                    <a:p>
+                      <a:pPr algn="ctr"/>
+                      <a:r>
+                        <a:rPr lang="en-US" altLang="zh-CN" dirty="0"/>
+                        <a:t>4</a:t>
+                      </a:r>
+                      <a:endParaRPr lang="zh-CN" altLang="en-US" dirty="0"/>
+                    </a:p>
+                  </a:txBody>
+                  <a:tcPr/>
+                </a:tc>
+                <a:tc>
+                  <a:txBody>
+                    <a:bodyPr/>
+                    <a:lstStyle/>
+                    <a:p>
+                      <a:pPr algn="ctr"/>
+                      <a:r>
+                        <a:rPr lang="zh-CN" altLang="en-US" dirty="0"/>
+                        <a:t>杨佳锐</a:t>
+                      </a:r>
+                    </a:p>
+                  </a:txBody>
+                  <a:tcPr/>
+                </a:tc>
+                <a:tc>
+                  <a:txBody>
+                    <a:bodyPr/>
+                    <a:lstStyle/>
+                    <a:p>
+                      <a:pPr algn="ctr"/>
+                      <a:endParaRPr lang="zh-CN" altLang="en-US" dirty="0"/>
+                    </a:p>
+                  </a:txBody>
+                  <a:tcPr/>
+                </a:tc>
+                <a:tc>
+                  <a:txBody>
+                    <a:bodyPr/>
+                    <a:lstStyle/>
+                    <a:p>
+                      <a:pPr algn="ctr"/>
+                      <a:endParaRPr lang="zh-CN" altLang="en-US" dirty="0"/>
+                    </a:p>
+                  </a:txBody>
+                  <a:tcPr/>
+                </a:tc>
+                <a:extLst>
+                  <a:ext uri="{0D108BD9-81ED-4DB2-BD59-A6C34878D82A}">
+                    <a16:rowId xmlns:a16="http://schemas.microsoft.com/office/drawing/2014/main" val="2282996367"/>
+                  </a:ext>
+                </a:extLst>
+              </a:tr>
+              <a:tr h="759328">
+                <a:tc>
+                  <a:txBody>
+                    <a:bodyPr/>
+                    <a:lstStyle/>
+                    <a:p>
+                      <a:pPr algn="ctr"/>
+                      <a:r>
+                        <a:rPr lang="en-US" altLang="zh-CN" dirty="0"/>
+                        <a:t>5</a:t>
+                      </a:r>
+                      <a:endParaRPr lang="zh-CN" altLang="en-US" dirty="0"/>
+                    </a:p>
+                  </a:txBody>
+                  <a:tcPr/>
+                </a:tc>
+                <a:tc>
+                  <a:txBody>
+                    <a:bodyPr/>
+                    <a:lstStyle/>
+                    <a:p>
+                      <a:pPr algn="ctr"/>
+                      <a:r>
+                        <a:rPr lang="zh-CN" altLang="en-US" dirty="0"/>
+                        <a:t>邱增镇</a:t>
+                      </a:r>
+                    </a:p>
+                  </a:txBody>
+                  <a:tcPr/>
+                </a:tc>
+                <a:tc>
+                  <a:txBody>
+                    <a:bodyPr/>
+                    <a:lstStyle/>
+                    <a:p>
+                      <a:pPr algn="ctr"/>
+                      <a:r>
+                        <a:rPr lang="zh-CN" altLang="en-US"/>
+                        <a:t>林家颖</a:t>
+                      </a:r>
+                    </a:p>
+                  </a:txBody>
+                  <a:tcPr/>
+                </a:tc>
+                <a:tc>
+                  <a:txBody>
+                    <a:bodyPr/>
+                    <a:lstStyle/>
+                    <a:p>
+                      <a:pPr algn="ctr"/>
+                      <a:endParaRPr lang="zh-CN" altLang="en-US" dirty="0"/>
+                    </a:p>
+                  </a:txBody>
+                  <a:tcPr/>
+                </a:tc>
+                <a:extLst>
+                  <a:ext uri="{0D108BD9-81ED-4DB2-BD59-A6C34878D82A}">
+                    <a16:rowId xmlns:a16="http://schemas.microsoft.com/office/drawing/2014/main" val="433321715"/>
+                  </a:ext>
+                </a:extLst>
+              </a:tr>
+            </a:tbl>
+          </a:graphicData>
+        </a:graphic>
+      </p:graphicFrame>
+    </p:spTree>
+    <p:extLst>
+      <p:ext uri="{BB962C8B-B14F-4D97-AF65-F5344CB8AC3E}">
+        <p14:creationId xmlns:p14="http://schemas.microsoft.com/office/powerpoint/2010/main" val="1731699146"/>
+      </p:ext>
+    </p:extLst>
+  </p:cSld>
+  <p:clrMapOvr>
+    <a:masterClrMapping/>
+  </p:clrMapOvr>
+</p:sld>
+</file>
+
 <file path=ppt/slides/slide2.xml><?xml version="1.0" encoding="utf-8"?>
 <p:sld xmlns:a="http://schemas.openxmlformats.org/drawingml/2006/main" xmlns:r="http://schemas.openxmlformats.org/officeDocument/2006/relationships" xmlns:p="http://schemas.openxmlformats.org/presentationml/2006/main">
   <p:cSld>
@@ -4574,14 +5955,14 @@
           <p:nvPr>
             <p:extLst>
               <p:ext uri="{D42A27DB-BD31-4B8C-83A1-F6EECF244321}">
-                <p14:modId xmlns:p14="http://schemas.microsoft.com/office/powerpoint/2010/main" val="1324391371"/>
+                <p14:modId xmlns:p14="http://schemas.microsoft.com/office/powerpoint/2010/main" val="84972244"/>
               </p:ext>
             </p:extLst>
           </p:nvPr>
         </p:nvGraphicFramePr>
         <p:xfrm>
-          <a:off x="293816" y="2089574"/>
-          <a:ext cx="11412153" cy="4490720"/>
+          <a:off x="367990" y="2089574"/>
+          <a:ext cx="11337979" cy="4490720"/>
         </p:xfrm>
         <a:graphic>
           <a:graphicData uri="http://schemas.openxmlformats.org/drawingml/2006/table">
@@ -4590,7 +5971,7 @@
                 <a:tableStyleId>{5C22544A-7EE6-4342-B048-85BDC9FD1C3A}</a:tableStyleId>
               </a:tblPr>
               <a:tblGrid>
-                <a:gridCol w="1669300">
+                <a:gridCol w="1595126">
                   <a:extLst>
                     <a:ext uri="{9D8B030D-6E8A-4147-A177-3AD203B41FA5}">
                       <a16:colId xmlns:a16="http://schemas.microsoft.com/office/drawing/2014/main" val="20000"/>
@@ -6278,7 +7659,7 @@
           <p:cNvPr id="2" name="标题 1">
             <a:extLst>
               <a:ext uri="{FF2B5EF4-FFF2-40B4-BE49-F238E27FC236}">
-                <a16:creationId xmlns:a16="http://schemas.microsoft.com/office/drawing/2014/main" id="{B0223E04-F70B-4EC2-B77C-44699ABFEFAE}"/>
+                <a16:creationId xmlns:a16="http://schemas.microsoft.com/office/drawing/2014/main" id="{5462D12F-C276-45B6-A78A-6C5FC7B7D08A}"/>
               </a:ext>
             </a:extLst>
           </p:cNvPr>
@@ -6294,16 +7675,20 @@
           <a:bodyPr/>
           <a:lstStyle/>
           <a:p>
-            <a:endParaRPr lang="zh-CN" altLang="en-US"/>
-          </a:p>
-        </p:txBody>
-      </p:sp>
-      <p:sp>
-        <p:nvSpPr>
-          <p:cNvPr id="3" name="文本占位符 2">
+            <a:r>
+              <a:rPr lang="en-US" altLang="zh-CN" dirty="0"/>
+              <a:t>Note for assignment for Week 4</a:t>
+            </a:r>
+            <a:endParaRPr lang="zh-CN" altLang="en-US" dirty="0"/>
+          </a:p>
+        </p:txBody>
+      </p:sp>
+      <p:sp>
+        <p:nvSpPr>
+          <p:cNvPr id="3" name="内容占位符 2">
             <a:extLst>
               <a:ext uri="{FF2B5EF4-FFF2-40B4-BE49-F238E27FC236}">
-                <a16:creationId xmlns:a16="http://schemas.microsoft.com/office/drawing/2014/main" id="{E60A20DE-8F63-4E64-9075-185E75CFD964}"/>
+                <a16:creationId xmlns:a16="http://schemas.microsoft.com/office/drawing/2014/main" id="{EFA90529-7C0E-4A7F-9664-49088193879C}"/>
               </a:ext>
             </a:extLst>
           </p:cNvPr>
@@ -6311,22 +7696,154 @@
             <a:spLocks noGrp="1"/>
           </p:cNvSpPr>
           <p:nvPr>
-            <p:ph type="body" idx="1"/>
+            <p:ph idx="1"/>
           </p:nvPr>
         </p:nvSpPr>
         <p:spPr/>
         <p:txBody>
-          <a:bodyPr/>
+          <a:bodyPr>
+            <a:normAutofit/>
+          </a:bodyPr>
           <a:lstStyle/>
           <a:p>
+            <a:pPr marL="457200" indent="-457200">
+              <a:buFont typeface="+mj-lt"/>
+              <a:buAutoNum type="arabicPeriod"/>
+            </a:pPr>
+            <a:endParaRPr lang="en-US" altLang="zh-CN" sz="3200" dirty="0"/>
+          </a:p>
+          <a:p>
+            <a:pPr marL="457200" indent="-457200">
+              <a:buFont typeface="+mj-lt"/>
+              <a:buAutoNum type="arabicPeriod"/>
+            </a:pPr>
+            <a:r>
+              <a:rPr lang="en-US" altLang="zh-CN" sz="3200" dirty="0"/>
+              <a:t>Upload the OpenCV face detected photo and name it as </a:t>
+            </a:r>
+            <a:r>
+              <a:rPr lang="en-US" altLang="zh-CN" sz="2200" dirty="0"/>
+              <a:t>“</a:t>
+            </a:r>
+            <a:r>
+              <a:rPr lang="en-US" altLang="zh-CN" sz="2200" b="1" i="1" dirty="0"/>
+              <a:t>your_name.py” (Di_WU.py” )  </a:t>
+            </a:r>
+            <a:r>
+              <a:rPr lang="en-US" altLang="zh-CN" sz="3200" dirty="0"/>
+              <a:t>to the </a:t>
+            </a:r>
+            <a:r>
+              <a:rPr lang="en-US" altLang="zh-CN" sz="2600" b="1" i="1" dirty="0" err="1"/>
+              <a:t>AI_Precourse</a:t>
+            </a:r>
+            <a:r>
+              <a:rPr lang="en-US" altLang="zh-CN" sz="2600" b="1" i="1" dirty="0"/>
+              <a:t>\Week4_OpenCV </a:t>
+            </a:r>
+            <a:r>
+              <a:rPr lang="en-US" altLang="zh-CN" sz="3200" dirty="0"/>
+              <a:t>folder</a:t>
+            </a:r>
+          </a:p>
+          <a:p>
+            <a:pPr marL="457200" indent="-457200">
+              <a:buFont typeface="+mj-lt"/>
+              <a:buAutoNum type="arabicPeriod"/>
+            </a:pPr>
+            <a:endParaRPr lang="en-US" altLang="zh-CN" sz="3200" dirty="0"/>
+          </a:p>
+          <a:p>
+            <a:pPr marL="457200" indent="-457200">
+              <a:buFont typeface="+mj-lt"/>
+              <a:buAutoNum type="arabicPeriod"/>
+            </a:pPr>
+            <a:r>
+              <a:rPr lang="en-US" altLang="zh-CN" sz="3200" dirty="0"/>
+              <a:t>Only two files is enough (without .xml file)!</a:t>
+            </a:r>
+          </a:p>
+        </p:txBody>
+      </p:sp>
+      <p:sp>
+        <p:nvSpPr>
+          <p:cNvPr id="4" name="AutoShape 2" descr="Face Detection">
+            <a:extLst>
+              <a:ext uri="{FF2B5EF4-FFF2-40B4-BE49-F238E27FC236}">
+                <a16:creationId xmlns:a16="http://schemas.microsoft.com/office/drawing/2014/main" id="{69AC6CCB-1BFE-4D86-9375-114954915166}"/>
+              </a:ext>
+            </a:extLst>
+          </p:cNvPr>
+          <p:cNvSpPr>
+            <a:spLocks noChangeAspect="1" noChangeArrowheads="1"/>
+          </p:cNvSpPr>
+          <p:nvPr/>
+        </p:nvSpPr>
+        <p:spPr bwMode="auto">
+          <a:xfrm>
+            <a:off x="5943600" y="3276600"/>
+            <a:ext cx="304800" cy="304800"/>
+          </a:xfrm>
+          <a:prstGeom prst="rect">
+            <a:avLst/>
+          </a:prstGeom>
+          <a:noFill/>
+          <a:extLst>
+            <a:ext uri="{909E8E84-426E-40DD-AFC4-6F175D3DCCD1}">
+              <a14:hiddenFill xmlns:a14="http://schemas.microsoft.com/office/drawing/2010/main">
+                <a:solidFill>
+                  <a:srgbClr val="FFFFFF"/>
+                </a:solidFill>
+              </a14:hiddenFill>
+            </a:ext>
+          </a:extLst>
+        </p:spPr>
+        <p:txBody>
+          <a:bodyPr vert="horz" wrap="square" lIns="91440" tIns="45720" rIns="91440" bIns="45720" numCol="1" anchor="t" anchorCtr="0" compatLnSpc="1">
+            <a:prstTxWarp prst="textNoShape">
+              <a:avLst/>
+            </a:prstTxWarp>
+          </a:bodyPr>
+          <a:lstStyle/>
+          <a:p>
             <a:endParaRPr lang="zh-CN" altLang="en-US"/>
           </a:p>
         </p:txBody>
       </p:sp>
+      <p:pic>
+        <p:nvPicPr>
+          <p:cNvPr id="5" name="图片 4">
+            <a:extLst>
+              <a:ext uri="{FF2B5EF4-FFF2-40B4-BE49-F238E27FC236}">
+                <a16:creationId xmlns:a16="http://schemas.microsoft.com/office/drawing/2014/main" id="{C488AB6F-E8DB-440A-B5CE-1E5BBA6514CF}"/>
+              </a:ext>
+            </a:extLst>
+          </p:cNvPr>
+          <p:cNvPicPr>
+            <a:picLocks noChangeAspect="1"/>
+          </p:cNvPicPr>
+          <p:nvPr/>
+        </p:nvPicPr>
+        <p:blipFill>
+          <a:blip r:embed="rId2"/>
+          <a:stretch>
+            <a:fillRect/>
+          </a:stretch>
+        </p:blipFill>
+        <p:spPr>
+          <a:xfrm>
+            <a:off x="8770936" y="3581400"/>
+            <a:ext cx="3225589" cy="2712427"/>
+          </a:xfrm>
+          <a:prstGeom prst="rect">
+            <a:avLst/>
+          </a:prstGeom>
+        </p:spPr>
+      </p:pic>
     </p:spTree>
     <p:extLst>
       <p:ext uri="{BB962C8B-B14F-4D97-AF65-F5344CB8AC3E}">
-        <p14:creationId xmlns:p14="http://schemas.microsoft.com/office/powerpoint/2010/main" val="1363907164"/>
+        <p14:creationId xmlns:p14="http://schemas.microsoft.com/office/powerpoint/2010/main" val="3795774625"/>
       </p:ext>
     </p:extLst>
   </p:cSld>
@@ -6374,7 +7891,18 @@
           <a:bodyPr/>
           <a:lstStyle/>
           <a:p>
-            <a:endParaRPr lang="zh-CN" altLang="en-US"/>
+            <a:r>
+              <a:rPr lang="en-US" altLang="zh-CN" dirty="0"/>
+              <a:t>Brief introduction to</a:t>
+            </a:r>
+            <a:br>
+              <a:rPr lang="en-US" altLang="zh-CN" dirty="0"/>
+            </a:br>
+            <a:r>
+              <a:rPr lang="en-US" altLang="zh-CN" dirty="0"/>
+              <a:t>Deep Learning</a:t>
+            </a:r>
+            <a:endParaRPr lang="zh-CN" altLang="en-US" dirty="0"/>
           </a:p>
         </p:txBody>
       </p:sp>
@@ -6399,14 +7927,20 @@
           <a:bodyPr/>
           <a:lstStyle/>
           <a:p>
-            <a:endParaRPr lang="zh-CN" altLang="en-US"/>
+            <a:r>
+              <a:rPr lang="en-GB" altLang="zh-CN" dirty="0">
+                <a:hlinkClick r:id="rId2"/>
+              </a:rPr>
+              <a:t>https://www.fast.ai/</a:t>
+            </a:r>
+            <a:endParaRPr lang="zh-CN" altLang="en-US" dirty="0"/>
           </a:p>
         </p:txBody>
       </p:sp>
     </p:spTree>
     <p:extLst>
       <p:ext uri="{BB962C8B-B14F-4D97-AF65-F5344CB8AC3E}">
-        <p14:creationId xmlns:p14="http://schemas.microsoft.com/office/powerpoint/2010/main" val="3376178040"/>
+        <p14:creationId xmlns:p14="http://schemas.microsoft.com/office/powerpoint/2010/main" val="1363907164"/>
       </p:ext>
     </p:extLst>
   </p:cSld>
@@ -6435,13 +7969,7 @@
       </p:grpSpPr>
       <p:sp>
         <p:nvSpPr>
-          <p:cNvPr id="2" name="标题 1">
-            <a:extLst>
-              <a:ext uri="{FF2B5EF4-FFF2-40B4-BE49-F238E27FC236}">
-                <a16:creationId xmlns:a16="http://schemas.microsoft.com/office/drawing/2014/main" id="{B0223E04-F70B-4EC2-B77C-44699ABFEFAE}"/>
-              </a:ext>
-            </a:extLst>
-          </p:cNvPr>
+          <p:cNvPr id="2" name="Title 1"/>
           <p:cNvSpPr>
             <a:spLocks noGrp="1"/>
           </p:cNvSpPr>
@@ -6454,49 +7982,943 @@
           <a:bodyPr/>
           <a:lstStyle/>
           <a:p>
-            <a:r>
-              <a:rPr lang="en-US" altLang="zh-CN" dirty="0"/>
-              <a:t>Final Assignment</a:t>
-            </a:r>
-            <a:endParaRPr lang="zh-CN" altLang="en-US" dirty="0"/>
-          </a:p>
-        </p:txBody>
-      </p:sp>
-      <p:sp>
-        <p:nvSpPr>
-          <p:cNvPr id="3" name="文本占位符 2">
+            <a:br>
+              <a:rPr lang="en-GB" dirty="0"/>
+            </a:br>
+            <a:endParaRPr lang="en-GB" dirty="0"/>
+          </a:p>
+        </p:txBody>
+      </p:sp>
+      <p:pic>
+        <p:nvPicPr>
+          <p:cNvPr id="4" name="Content Placeholder 3"/>
+          <p:cNvPicPr>
+            <a:picLocks noChangeAspect="1"/>
+          </p:cNvPicPr>
+          <p:nvPr/>
+        </p:nvPicPr>
+        <p:blipFill>
+          <a:blip r:embed="rId3">
             <a:extLst>
-              <a:ext uri="{FF2B5EF4-FFF2-40B4-BE49-F238E27FC236}">
-                <a16:creationId xmlns:a16="http://schemas.microsoft.com/office/drawing/2014/main" id="{E60A20DE-8F63-4E64-9075-185E75CFD964}"/>
+              <a:ext uri="{28A0092B-C50C-407E-A947-70E740481C1C}">
+                <a14:useLocalDpi xmlns:a14="http://schemas.microsoft.com/office/drawing/2010/main" val="0"/>
               </a:ext>
             </a:extLst>
-          </p:cNvPr>
-          <p:cNvSpPr>
-            <a:spLocks noGrp="1"/>
-          </p:cNvSpPr>
-          <p:nvPr>
-            <p:ph type="body" idx="1"/>
-          </p:nvPr>
-        </p:nvSpPr>
-        <p:spPr/>
-        <p:txBody>
-          <a:bodyPr/>
+          </a:blip>
+          <a:stretch>
+            <a:fillRect/>
+          </a:stretch>
+        </p:blipFill>
+        <p:spPr>
+          <a:xfrm>
+            <a:off x="1103684" y="2185769"/>
+            <a:ext cx="8947150" cy="2800612"/>
+          </a:xfrm>
+          <a:prstGeom prst="rect">
+            <a:avLst/>
+          </a:prstGeom>
+        </p:spPr>
+      </p:pic>
+      <p:sp>
+        <p:nvSpPr>
+          <p:cNvPr id="5" name="Rectangle 4"/>
+          <p:cNvSpPr/>
+          <p:nvPr/>
+        </p:nvSpPr>
+        <p:spPr>
+          <a:xfrm>
+            <a:off x="1035950" y="2185769"/>
+            <a:ext cx="1278272" cy="2800612"/>
+          </a:xfrm>
+          <a:prstGeom prst="rect">
+            <a:avLst/>
+          </a:prstGeom>
+          <a:noFill/>
+          <a:ln w="76200">
+            <a:solidFill>
+              <a:srgbClr val="00B0F0"/>
+            </a:solidFill>
+          </a:ln>
+        </p:spPr>
+        <p:style>
+          <a:lnRef idx="2">
+            <a:schemeClr val="accent1">
+              <a:shade val="50000"/>
+            </a:schemeClr>
+          </a:lnRef>
+          <a:fillRef idx="1">
+            <a:schemeClr val="accent1"/>
+          </a:fillRef>
+          <a:effectRef idx="0">
+            <a:schemeClr val="accent1"/>
+          </a:effectRef>
+          <a:fontRef idx="minor">
+            <a:schemeClr val="lt1"/>
+          </a:fontRef>
+        </p:style>
+        <p:txBody>
+          <a:bodyPr rtlCol="0" anchor="ctr"/>
           <a:lstStyle/>
           <a:p>
-            <a:endParaRPr lang="zh-CN" altLang="en-US"/>
+            <a:pPr algn="ctr"/>
+            <a:endParaRPr lang="en-GB"/>
+          </a:p>
+        </p:txBody>
+      </p:sp>
+      <p:sp>
+        <p:nvSpPr>
+          <p:cNvPr id="6" name="Rectangle 5"/>
+          <p:cNvSpPr/>
+          <p:nvPr/>
+        </p:nvSpPr>
+        <p:spPr>
+          <a:xfrm>
+            <a:off x="2486572" y="2185769"/>
+            <a:ext cx="1475828" cy="2800612"/>
+          </a:xfrm>
+          <a:prstGeom prst="rect">
+            <a:avLst/>
+          </a:prstGeom>
+          <a:noFill/>
+          <a:ln w="76200">
+            <a:solidFill>
+              <a:srgbClr val="00B0F0"/>
+            </a:solidFill>
+          </a:ln>
+        </p:spPr>
+        <p:style>
+          <a:lnRef idx="2">
+            <a:schemeClr val="accent1">
+              <a:shade val="50000"/>
+            </a:schemeClr>
+          </a:lnRef>
+          <a:fillRef idx="1">
+            <a:schemeClr val="accent1"/>
+          </a:fillRef>
+          <a:effectRef idx="0">
+            <a:schemeClr val="accent1"/>
+          </a:effectRef>
+          <a:fontRef idx="minor">
+            <a:schemeClr val="lt1"/>
+          </a:fontRef>
+        </p:style>
+        <p:txBody>
+          <a:bodyPr rtlCol="0" anchor="ctr"/>
+          <a:lstStyle/>
+          <a:p>
+            <a:pPr algn="ctr"/>
+            <a:endParaRPr lang="en-GB"/>
+          </a:p>
+        </p:txBody>
+      </p:sp>
+      <p:sp>
+        <p:nvSpPr>
+          <p:cNvPr id="7" name="Rectangle 6"/>
+          <p:cNvSpPr/>
+          <p:nvPr/>
+        </p:nvSpPr>
+        <p:spPr>
+          <a:xfrm>
+            <a:off x="4134750" y="2185769"/>
+            <a:ext cx="1475828" cy="2800612"/>
+          </a:xfrm>
+          <a:prstGeom prst="rect">
+            <a:avLst/>
+          </a:prstGeom>
+          <a:noFill/>
+          <a:ln w="76200">
+            <a:solidFill>
+              <a:srgbClr val="00B0F0"/>
+            </a:solidFill>
+          </a:ln>
+        </p:spPr>
+        <p:style>
+          <a:lnRef idx="2">
+            <a:schemeClr val="accent1">
+              <a:shade val="50000"/>
+            </a:schemeClr>
+          </a:lnRef>
+          <a:fillRef idx="1">
+            <a:schemeClr val="accent1"/>
+          </a:fillRef>
+          <a:effectRef idx="0">
+            <a:schemeClr val="accent1"/>
+          </a:effectRef>
+          <a:fontRef idx="minor">
+            <a:schemeClr val="lt1"/>
+          </a:fontRef>
+        </p:style>
+        <p:txBody>
+          <a:bodyPr rtlCol="0" anchor="ctr"/>
+          <a:lstStyle/>
+          <a:p>
+            <a:pPr algn="ctr"/>
+            <a:endParaRPr lang="en-GB"/>
+          </a:p>
+        </p:txBody>
+      </p:sp>
+      <p:sp>
+        <p:nvSpPr>
+          <p:cNvPr id="8" name="Rectangle 7"/>
+          <p:cNvSpPr/>
+          <p:nvPr/>
+        </p:nvSpPr>
+        <p:spPr>
+          <a:xfrm>
+            <a:off x="5782927" y="2185769"/>
+            <a:ext cx="2514405" cy="2800612"/>
+          </a:xfrm>
+          <a:prstGeom prst="rect">
+            <a:avLst/>
+          </a:prstGeom>
+          <a:noFill/>
+          <a:ln w="76200">
+            <a:solidFill>
+              <a:srgbClr val="00B0F0"/>
+            </a:solidFill>
+          </a:ln>
+        </p:spPr>
+        <p:style>
+          <a:lnRef idx="2">
+            <a:schemeClr val="accent1">
+              <a:shade val="50000"/>
+            </a:schemeClr>
+          </a:lnRef>
+          <a:fillRef idx="1">
+            <a:schemeClr val="accent1"/>
+          </a:fillRef>
+          <a:effectRef idx="0">
+            <a:schemeClr val="accent1"/>
+          </a:effectRef>
+          <a:fontRef idx="minor">
+            <a:schemeClr val="lt1"/>
+          </a:fontRef>
+        </p:style>
+        <p:txBody>
+          <a:bodyPr rtlCol="0" anchor="ctr"/>
+          <a:lstStyle/>
+          <a:p>
+            <a:pPr algn="ctr"/>
+            <a:endParaRPr lang="en-GB"/>
+          </a:p>
+        </p:txBody>
+      </p:sp>
+      <p:sp>
+        <p:nvSpPr>
+          <p:cNvPr id="9" name="Rectangle 8"/>
+          <p:cNvSpPr/>
+          <p:nvPr/>
+        </p:nvSpPr>
+        <p:spPr>
+          <a:xfrm>
+            <a:off x="8469680" y="2202702"/>
+            <a:ext cx="1581153" cy="2800612"/>
+          </a:xfrm>
+          <a:prstGeom prst="rect">
+            <a:avLst/>
+          </a:prstGeom>
+          <a:noFill/>
+          <a:ln w="76200">
+            <a:solidFill>
+              <a:srgbClr val="00B0F0"/>
+            </a:solidFill>
+          </a:ln>
+        </p:spPr>
+        <p:style>
+          <a:lnRef idx="2">
+            <a:schemeClr val="accent1">
+              <a:shade val="50000"/>
+            </a:schemeClr>
+          </a:lnRef>
+          <a:fillRef idx="1">
+            <a:schemeClr val="accent1"/>
+          </a:fillRef>
+          <a:effectRef idx="0">
+            <a:schemeClr val="accent1"/>
+          </a:effectRef>
+          <a:fontRef idx="minor">
+            <a:schemeClr val="lt1"/>
+          </a:fontRef>
+        </p:style>
+        <p:txBody>
+          <a:bodyPr rtlCol="0" anchor="ctr"/>
+          <a:lstStyle/>
+          <a:p>
+            <a:pPr algn="ctr"/>
+            <a:endParaRPr lang="en-GB"/>
+          </a:p>
+        </p:txBody>
+      </p:sp>
+      <p:sp>
+        <p:nvSpPr>
+          <p:cNvPr id="10" name="Rectangle 9"/>
+          <p:cNvSpPr/>
+          <p:nvPr/>
+        </p:nvSpPr>
+        <p:spPr>
+          <a:xfrm>
+            <a:off x="890983" y="5576406"/>
+            <a:ext cx="9014883" cy="646331"/>
+          </a:xfrm>
+          <a:prstGeom prst="rect">
+            <a:avLst/>
+          </a:prstGeom>
+        </p:spPr>
+        <p:txBody>
+          <a:bodyPr wrap="square">
+            <a:spAutoFit/>
+          </a:bodyPr>
+          <a:lstStyle/>
+          <a:p>
+            <a:r>
+              <a:rPr lang="en-US" dirty="0"/>
+              <a:t>Visualizing and Understanding Recurrent Networks, </a:t>
+            </a:r>
+          </a:p>
+          <a:p>
+            <a:r>
+              <a:rPr lang="en-US" dirty="0"/>
+              <a:t>Andrej </a:t>
+            </a:r>
+            <a:r>
+              <a:rPr lang="en-US" dirty="0" err="1"/>
+              <a:t>Karpathy</a:t>
+            </a:r>
+            <a:r>
+              <a:rPr lang="en-US" dirty="0"/>
+              <a:t>, Justin Johnson, Li </a:t>
+            </a:r>
+            <a:r>
+              <a:rPr lang="en-US" dirty="0" err="1"/>
+              <a:t>Fei-fei</a:t>
+            </a:r>
+            <a:r>
+              <a:rPr lang="en-US" dirty="0"/>
+              <a:t> ICLR2016 workshop</a:t>
+            </a:r>
+            <a:endParaRPr lang="en-GB" dirty="0"/>
+          </a:p>
+        </p:txBody>
+      </p:sp>
+      <p:sp>
+        <p:nvSpPr>
+          <p:cNvPr id="11" name="TextBox 10"/>
+          <p:cNvSpPr txBox="1"/>
+          <p:nvPr/>
+        </p:nvSpPr>
+        <p:spPr>
+          <a:xfrm>
+            <a:off x="431131" y="491263"/>
+            <a:ext cx="7062537" cy="1323439"/>
+          </a:xfrm>
+          <a:prstGeom prst="rect">
+            <a:avLst/>
+          </a:prstGeom>
+          <a:noFill/>
+        </p:spPr>
+        <p:txBody>
+          <a:bodyPr wrap="square" rtlCol="0">
+            <a:spAutoFit/>
+          </a:bodyPr>
+          <a:lstStyle/>
+          <a:p>
+            <a:r>
+              <a:rPr lang="zh-CN" altLang="en-US" sz="4000" dirty="0"/>
+              <a:t>多种神经网络：</a:t>
+            </a:r>
+            <a:endParaRPr lang="en-US" altLang="zh-CN" sz="4000" dirty="0"/>
+          </a:p>
+          <a:p>
+            <a:r>
+              <a:rPr lang="zh-CN" altLang="en-US" sz="4000" dirty="0"/>
+              <a:t>时序神经网络的引入</a:t>
+            </a:r>
+            <a:endParaRPr lang="en-US" altLang="zh-CN" sz="4000" dirty="0"/>
           </a:p>
         </p:txBody>
       </p:sp>
     </p:spTree>
     <p:extLst>
       <p:ext uri="{BB962C8B-B14F-4D97-AF65-F5344CB8AC3E}">
-        <p14:creationId xmlns:p14="http://schemas.microsoft.com/office/powerpoint/2010/main" val="1135739637"/>
+        <p14:creationId xmlns:p14="http://schemas.microsoft.com/office/powerpoint/2010/main" val="1755773106"/>
       </p:ext>
     </p:extLst>
   </p:cSld>
   <p:clrMapOvr>
     <a:masterClrMapping/>
   </p:clrMapOvr>
+  <p:timing>
+    <p:tnLst>
+      <p:par>
+        <p:cTn id="1" dur="indefinite" restart="never" nodeType="tmRoot">
+          <p:childTnLst>
+            <p:seq concurrent="1" nextAc="seek">
+              <p:cTn id="2" dur="indefinite" nodeType="mainSeq">
+                <p:childTnLst>
+                  <p:par>
+                    <p:cTn id="3" fill="hold">
+                      <p:stCondLst>
+                        <p:cond delay="indefinite"/>
+                      </p:stCondLst>
+                      <p:childTnLst>
+                        <p:par>
+                          <p:cTn id="4" fill="hold">
+                            <p:stCondLst>
+                              <p:cond delay="0"/>
+                            </p:stCondLst>
+                            <p:childTnLst>
+                              <p:par>
+                                <p:cTn id="5" presetID="10" presetClass="entr" presetSubtype="0" fill="hold" grpId="0" nodeType="clickEffect">
+                                  <p:stCondLst>
+                                    <p:cond delay="0"/>
+                                  </p:stCondLst>
+                                  <p:childTnLst>
+                                    <p:set>
+                                      <p:cBhvr>
+                                        <p:cTn id="6" dur="1" fill="hold">
+                                          <p:stCondLst>
+                                            <p:cond delay="0"/>
+                                          </p:stCondLst>
+                                        </p:cTn>
+                                        <p:tgtEl>
+                                          <p:spTgt spid="5"/>
+                                        </p:tgtEl>
+                                        <p:attrNameLst>
+                                          <p:attrName>style.visibility</p:attrName>
+                                        </p:attrNameLst>
+                                      </p:cBhvr>
+                                      <p:to>
+                                        <p:strVal val="visible"/>
+                                      </p:to>
+                                    </p:set>
+                                    <p:animEffect transition="in" filter="fade">
+                                      <p:cBhvr>
+                                        <p:cTn id="7" dur="500"/>
+                                        <p:tgtEl>
+                                          <p:spTgt spid="5"/>
+                                        </p:tgtEl>
+                                      </p:cBhvr>
+                                    </p:animEffect>
+                                  </p:childTnLst>
+                                </p:cTn>
+                              </p:par>
+                            </p:childTnLst>
+                          </p:cTn>
+                        </p:par>
+                      </p:childTnLst>
+                    </p:cTn>
+                  </p:par>
+                  <p:par>
+                    <p:cTn id="8" fill="hold">
+                      <p:stCondLst>
+                        <p:cond delay="indefinite"/>
+                      </p:stCondLst>
+                      <p:childTnLst>
+                        <p:par>
+                          <p:cTn id="9" fill="hold">
+                            <p:stCondLst>
+                              <p:cond delay="0"/>
+                            </p:stCondLst>
+                            <p:childTnLst>
+                              <p:par>
+                                <p:cTn id="10" presetID="10" presetClass="exit" presetSubtype="0" fill="hold" grpId="1" nodeType="clickEffect">
+                                  <p:stCondLst>
+                                    <p:cond delay="0"/>
+                                  </p:stCondLst>
+                                  <p:childTnLst>
+                                    <p:animEffect transition="out" filter="fade">
+                                      <p:cBhvr>
+                                        <p:cTn id="11" dur="500"/>
+                                        <p:tgtEl>
+                                          <p:spTgt spid="5"/>
+                                        </p:tgtEl>
+                                      </p:cBhvr>
+                                    </p:animEffect>
+                                    <p:set>
+                                      <p:cBhvr>
+                                        <p:cTn id="12" dur="1" fill="hold">
+                                          <p:stCondLst>
+                                            <p:cond delay="499"/>
+                                          </p:stCondLst>
+                                        </p:cTn>
+                                        <p:tgtEl>
+                                          <p:spTgt spid="5"/>
+                                        </p:tgtEl>
+                                        <p:attrNameLst>
+                                          <p:attrName>style.visibility</p:attrName>
+                                        </p:attrNameLst>
+                                      </p:cBhvr>
+                                      <p:to>
+                                        <p:strVal val="hidden"/>
+                                      </p:to>
+                                    </p:set>
+                                  </p:childTnLst>
+                                </p:cTn>
+                              </p:par>
+                            </p:childTnLst>
+                          </p:cTn>
+                        </p:par>
+                      </p:childTnLst>
+                    </p:cTn>
+                  </p:par>
+                  <p:par>
+                    <p:cTn id="13" fill="hold">
+                      <p:stCondLst>
+                        <p:cond delay="indefinite"/>
+                      </p:stCondLst>
+                      <p:childTnLst>
+                        <p:par>
+                          <p:cTn id="14" fill="hold">
+                            <p:stCondLst>
+                              <p:cond delay="0"/>
+                            </p:stCondLst>
+                            <p:childTnLst>
+                              <p:par>
+                                <p:cTn id="15" presetID="10" presetClass="entr" presetSubtype="0" fill="hold" grpId="0" nodeType="clickEffect">
+                                  <p:stCondLst>
+                                    <p:cond delay="0"/>
+                                  </p:stCondLst>
+                                  <p:childTnLst>
+                                    <p:set>
+                                      <p:cBhvr>
+                                        <p:cTn id="16" dur="1" fill="hold">
+                                          <p:stCondLst>
+                                            <p:cond delay="0"/>
+                                          </p:stCondLst>
+                                        </p:cTn>
+                                        <p:tgtEl>
+                                          <p:spTgt spid="6"/>
+                                        </p:tgtEl>
+                                        <p:attrNameLst>
+                                          <p:attrName>style.visibility</p:attrName>
+                                        </p:attrNameLst>
+                                      </p:cBhvr>
+                                      <p:to>
+                                        <p:strVal val="visible"/>
+                                      </p:to>
+                                    </p:set>
+                                    <p:animEffect transition="in" filter="fade">
+                                      <p:cBhvr>
+                                        <p:cTn id="17" dur="500"/>
+                                        <p:tgtEl>
+                                          <p:spTgt spid="6"/>
+                                        </p:tgtEl>
+                                      </p:cBhvr>
+                                    </p:animEffect>
+                                  </p:childTnLst>
+                                </p:cTn>
+                              </p:par>
+                            </p:childTnLst>
+                          </p:cTn>
+                        </p:par>
+                      </p:childTnLst>
+                    </p:cTn>
+                  </p:par>
+                  <p:par>
+                    <p:cTn id="18" fill="hold">
+                      <p:stCondLst>
+                        <p:cond delay="indefinite"/>
+                      </p:stCondLst>
+                      <p:childTnLst>
+                        <p:par>
+                          <p:cTn id="19" fill="hold">
+                            <p:stCondLst>
+                              <p:cond delay="0"/>
+                            </p:stCondLst>
+                            <p:childTnLst>
+                              <p:par>
+                                <p:cTn id="20" presetID="10" presetClass="exit" presetSubtype="0" fill="hold" grpId="1" nodeType="clickEffect">
+                                  <p:stCondLst>
+                                    <p:cond delay="0"/>
+                                  </p:stCondLst>
+                                  <p:childTnLst>
+                                    <p:animEffect transition="out" filter="fade">
+                                      <p:cBhvr>
+                                        <p:cTn id="21" dur="500"/>
+                                        <p:tgtEl>
+                                          <p:spTgt spid="6"/>
+                                        </p:tgtEl>
+                                      </p:cBhvr>
+                                    </p:animEffect>
+                                    <p:set>
+                                      <p:cBhvr>
+                                        <p:cTn id="22" dur="1" fill="hold">
+                                          <p:stCondLst>
+                                            <p:cond delay="499"/>
+                                          </p:stCondLst>
+                                        </p:cTn>
+                                        <p:tgtEl>
+                                          <p:spTgt spid="6"/>
+                                        </p:tgtEl>
+                                        <p:attrNameLst>
+                                          <p:attrName>style.visibility</p:attrName>
+                                        </p:attrNameLst>
+                                      </p:cBhvr>
+                                      <p:to>
+                                        <p:strVal val="hidden"/>
+                                      </p:to>
+                                    </p:set>
+                                  </p:childTnLst>
+                                </p:cTn>
+                              </p:par>
+                            </p:childTnLst>
+                          </p:cTn>
+                        </p:par>
+                      </p:childTnLst>
+                    </p:cTn>
+                  </p:par>
+                  <p:par>
+                    <p:cTn id="23" fill="hold">
+                      <p:stCondLst>
+                        <p:cond delay="indefinite"/>
+                      </p:stCondLst>
+                      <p:childTnLst>
+                        <p:par>
+                          <p:cTn id="24" fill="hold">
+                            <p:stCondLst>
+                              <p:cond delay="0"/>
+                            </p:stCondLst>
+                            <p:childTnLst>
+                              <p:par>
+                                <p:cTn id="25" presetID="10" presetClass="entr" presetSubtype="0" fill="hold" grpId="0" nodeType="clickEffect">
+                                  <p:stCondLst>
+                                    <p:cond delay="0"/>
+                                  </p:stCondLst>
+                                  <p:childTnLst>
+                                    <p:set>
+                                      <p:cBhvr>
+                                        <p:cTn id="26" dur="1" fill="hold">
+                                          <p:stCondLst>
+                                            <p:cond delay="0"/>
+                                          </p:stCondLst>
+                                        </p:cTn>
+                                        <p:tgtEl>
+                                          <p:spTgt spid="7"/>
+                                        </p:tgtEl>
+                                        <p:attrNameLst>
+                                          <p:attrName>style.visibility</p:attrName>
+                                        </p:attrNameLst>
+                                      </p:cBhvr>
+                                      <p:to>
+                                        <p:strVal val="visible"/>
+                                      </p:to>
+                                    </p:set>
+                                    <p:animEffect transition="in" filter="fade">
+                                      <p:cBhvr>
+                                        <p:cTn id="27" dur="500"/>
+                                        <p:tgtEl>
+                                          <p:spTgt spid="7"/>
+                                        </p:tgtEl>
+                                      </p:cBhvr>
+                                    </p:animEffect>
+                                  </p:childTnLst>
+                                </p:cTn>
+                              </p:par>
+                            </p:childTnLst>
+                          </p:cTn>
+                        </p:par>
+                      </p:childTnLst>
+                    </p:cTn>
+                  </p:par>
+                  <p:par>
+                    <p:cTn id="28" fill="hold">
+                      <p:stCondLst>
+                        <p:cond delay="indefinite"/>
+                      </p:stCondLst>
+                      <p:childTnLst>
+                        <p:par>
+                          <p:cTn id="29" fill="hold">
+                            <p:stCondLst>
+                              <p:cond delay="0"/>
+                            </p:stCondLst>
+                            <p:childTnLst>
+                              <p:par>
+                                <p:cTn id="30" presetID="10" presetClass="exit" presetSubtype="0" fill="hold" grpId="1" nodeType="clickEffect">
+                                  <p:stCondLst>
+                                    <p:cond delay="0"/>
+                                  </p:stCondLst>
+                                  <p:childTnLst>
+                                    <p:animEffect transition="out" filter="fade">
+                                      <p:cBhvr>
+                                        <p:cTn id="31" dur="500"/>
+                                        <p:tgtEl>
+                                          <p:spTgt spid="7"/>
+                                        </p:tgtEl>
+                                      </p:cBhvr>
+                                    </p:animEffect>
+                                    <p:set>
+                                      <p:cBhvr>
+                                        <p:cTn id="32" dur="1" fill="hold">
+                                          <p:stCondLst>
+                                            <p:cond delay="499"/>
+                                          </p:stCondLst>
+                                        </p:cTn>
+                                        <p:tgtEl>
+                                          <p:spTgt spid="7"/>
+                                        </p:tgtEl>
+                                        <p:attrNameLst>
+                                          <p:attrName>style.visibility</p:attrName>
+                                        </p:attrNameLst>
+                                      </p:cBhvr>
+                                      <p:to>
+                                        <p:strVal val="hidden"/>
+                                      </p:to>
+                                    </p:set>
+                                  </p:childTnLst>
+                                </p:cTn>
+                              </p:par>
+                            </p:childTnLst>
+                          </p:cTn>
+                        </p:par>
+                      </p:childTnLst>
+                    </p:cTn>
+                  </p:par>
+                  <p:par>
+                    <p:cTn id="33" fill="hold">
+                      <p:stCondLst>
+                        <p:cond delay="indefinite"/>
+                      </p:stCondLst>
+                      <p:childTnLst>
+                        <p:par>
+                          <p:cTn id="34" fill="hold">
+                            <p:stCondLst>
+                              <p:cond delay="0"/>
+                            </p:stCondLst>
+                            <p:childTnLst>
+                              <p:par>
+                                <p:cTn id="35" presetID="10" presetClass="entr" presetSubtype="0" fill="hold" grpId="0" nodeType="clickEffect">
+                                  <p:stCondLst>
+                                    <p:cond delay="0"/>
+                                  </p:stCondLst>
+                                  <p:childTnLst>
+                                    <p:set>
+                                      <p:cBhvr>
+                                        <p:cTn id="36" dur="1" fill="hold">
+                                          <p:stCondLst>
+                                            <p:cond delay="0"/>
+                                          </p:stCondLst>
+                                        </p:cTn>
+                                        <p:tgtEl>
+                                          <p:spTgt spid="8"/>
+                                        </p:tgtEl>
+                                        <p:attrNameLst>
+                                          <p:attrName>style.visibility</p:attrName>
+                                        </p:attrNameLst>
+                                      </p:cBhvr>
+                                      <p:to>
+                                        <p:strVal val="visible"/>
+                                      </p:to>
+                                    </p:set>
+                                    <p:animEffect transition="in" filter="fade">
+                                      <p:cBhvr>
+                                        <p:cTn id="37" dur="500"/>
+                                        <p:tgtEl>
+                                          <p:spTgt spid="8"/>
+                                        </p:tgtEl>
+                                      </p:cBhvr>
+                                    </p:animEffect>
+                                  </p:childTnLst>
+                                </p:cTn>
+                              </p:par>
+                            </p:childTnLst>
+                          </p:cTn>
+                        </p:par>
+                      </p:childTnLst>
+                    </p:cTn>
+                  </p:par>
+                  <p:par>
+                    <p:cTn id="38" fill="hold">
+                      <p:stCondLst>
+                        <p:cond delay="indefinite"/>
+                      </p:stCondLst>
+                      <p:childTnLst>
+                        <p:par>
+                          <p:cTn id="39" fill="hold">
+                            <p:stCondLst>
+                              <p:cond delay="0"/>
+                            </p:stCondLst>
+                            <p:childTnLst>
+                              <p:par>
+                                <p:cTn id="40" presetID="10" presetClass="exit" presetSubtype="0" fill="hold" grpId="1" nodeType="clickEffect">
+                                  <p:stCondLst>
+                                    <p:cond delay="0"/>
+                                  </p:stCondLst>
+                                  <p:childTnLst>
+                                    <p:animEffect transition="out" filter="fade">
+                                      <p:cBhvr>
+                                        <p:cTn id="41" dur="500"/>
+                                        <p:tgtEl>
+                                          <p:spTgt spid="8"/>
+                                        </p:tgtEl>
+                                      </p:cBhvr>
+                                    </p:animEffect>
+                                    <p:set>
+                                      <p:cBhvr>
+                                        <p:cTn id="42" dur="1" fill="hold">
+                                          <p:stCondLst>
+                                            <p:cond delay="499"/>
+                                          </p:stCondLst>
+                                        </p:cTn>
+                                        <p:tgtEl>
+                                          <p:spTgt spid="8"/>
+                                        </p:tgtEl>
+                                        <p:attrNameLst>
+                                          <p:attrName>style.visibility</p:attrName>
+                                        </p:attrNameLst>
+                                      </p:cBhvr>
+                                      <p:to>
+                                        <p:strVal val="hidden"/>
+                                      </p:to>
+                                    </p:set>
+                                  </p:childTnLst>
+                                </p:cTn>
+                              </p:par>
+                            </p:childTnLst>
+                          </p:cTn>
+                        </p:par>
+                      </p:childTnLst>
+                    </p:cTn>
+                  </p:par>
+                  <p:par>
+                    <p:cTn id="43" fill="hold">
+                      <p:stCondLst>
+                        <p:cond delay="indefinite"/>
+                      </p:stCondLst>
+                      <p:childTnLst>
+                        <p:par>
+                          <p:cTn id="44" fill="hold">
+                            <p:stCondLst>
+                              <p:cond delay="0"/>
+                            </p:stCondLst>
+                            <p:childTnLst>
+                              <p:par>
+                                <p:cTn id="45" presetID="10" presetClass="entr" presetSubtype="0" fill="hold" grpId="0" nodeType="clickEffect">
+                                  <p:stCondLst>
+                                    <p:cond delay="0"/>
+                                  </p:stCondLst>
+                                  <p:childTnLst>
+                                    <p:set>
+                                      <p:cBhvr>
+                                        <p:cTn id="46" dur="1" fill="hold">
+                                          <p:stCondLst>
+                                            <p:cond delay="0"/>
+                                          </p:stCondLst>
+                                        </p:cTn>
+                                        <p:tgtEl>
+                                          <p:spTgt spid="9"/>
+                                        </p:tgtEl>
+                                        <p:attrNameLst>
+                                          <p:attrName>style.visibility</p:attrName>
+                                        </p:attrNameLst>
+                                      </p:cBhvr>
+                                      <p:to>
+                                        <p:strVal val="visible"/>
+                                      </p:to>
+                                    </p:set>
+                                    <p:animEffect transition="in" filter="fade">
+                                      <p:cBhvr>
+                                        <p:cTn id="47" dur="500"/>
+                                        <p:tgtEl>
+                                          <p:spTgt spid="9"/>
+                                        </p:tgtEl>
+                                      </p:cBhvr>
+                                    </p:animEffect>
+                                  </p:childTnLst>
+                                </p:cTn>
+                              </p:par>
+                            </p:childTnLst>
+                          </p:cTn>
+                        </p:par>
+                      </p:childTnLst>
+                    </p:cTn>
+                  </p:par>
+                  <p:par>
+                    <p:cTn id="48" fill="hold">
+                      <p:stCondLst>
+                        <p:cond delay="indefinite"/>
+                      </p:stCondLst>
+                      <p:childTnLst>
+                        <p:par>
+                          <p:cTn id="49" fill="hold">
+                            <p:stCondLst>
+                              <p:cond delay="0"/>
+                            </p:stCondLst>
+                            <p:childTnLst>
+                              <p:par>
+                                <p:cTn id="50" presetID="10" presetClass="exit" presetSubtype="0" fill="hold" grpId="1" nodeType="clickEffect">
+                                  <p:stCondLst>
+                                    <p:cond delay="0"/>
+                                  </p:stCondLst>
+                                  <p:childTnLst>
+                                    <p:animEffect transition="out" filter="fade">
+                                      <p:cBhvr>
+                                        <p:cTn id="51" dur="500"/>
+                                        <p:tgtEl>
+                                          <p:spTgt spid="9"/>
+                                        </p:tgtEl>
+                                      </p:cBhvr>
+                                    </p:animEffect>
+                                    <p:set>
+                                      <p:cBhvr>
+                                        <p:cTn id="52" dur="1" fill="hold">
+                                          <p:stCondLst>
+                                            <p:cond delay="499"/>
+                                          </p:stCondLst>
+                                        </p:cTn>
+                                        <p:tgtEl>
+                                          <p:spTgt spid="9"/>
+                                        </p:tgtEl>
+                                        <p:attrNameLst>
+                                          <p:attrName>style.visibility</p:attrName>
+                                        </p:attrNameLst>
+                                      </p:cBhvr>
+                                      <p:to>
+                                        <p:strVal val="hidden"/>
+                                      </p:to>
+                                    </p:set>
+                                  </p:childTnLst>
+                                </p:cTn>
+                              </p:par>
+                            </p:childTnLst>
+                          </p:cTn>
+                        </p:par>
+                      </p:childTnLst>
+                    </p:cTn>
+                  </p:par>
+                </p:childTnLst>
+              </p:cTn>
+              <p:prevCondLst>
+                <p:cond evt="onPrev" delay="0">
+                  <p:tgtEl>
+                    <p:sldTgt/>
+                  </p:tgtEl>
+                </p:cond>
+              </p:prevCondLst>
+              <p:nextCondLst>
+                <p:cond evt="onNext" delay="0">
+                  <p:tgtEl>
+                    <p:sldTgt/>
+                  </p:tgtEl>
+                </p:cond>
+              </p:nextCondLst>
+            </p:seq>
+          </p:childTnLst>
+        </p:cTn>
+      </p:par>
+    </p:tnLst>
+    <p:bldLst>
+      <p:bldP spid="5" grpId="0" animBg="1"/>
+      <p:bldP spid="5" grpId="1" animBg="1"/>
+      <p:bldP spid="6" grpId="0" animBg="1"/>
+      <p:bldP spid="6" grpId="1" animBg="1"/>
+      <p:bldP spid="7" grpId="0" animBg="1"/>
+      <p:bldP spid="7" grpId="1" animBg="1"/>
+      <p:bldP spid="8" grpId="0" animBg="1"/>
+      <p:bldP spid="8" grpId="1" animBg="1"/>
+      <p:bldP spid="9" grpId="0" animBg="1"/>
+      <p:bldP spid="9" grpId="1" animBg="1"/>
+    </p:bldLst>
+  </p:timing>
 </p:sld>
 </file>
 
@@ -6522,7 +8944,7 @@
           <p:cNvPr id="2" name="标题 1">
             <a:extLst>
               <a:ext uri="{FF2B5EF4-FFF2-40B4-BE49-F238E27FC236}">
-                <a16:creationId xmlns:a16="http://schemas.microsoft.com/office/drawing/2014/main" id="{5462D12F-C276-45B6-A78A-6C5FC7B7D08A}"/>
+                <a16:creationId xmlns:a16="http://schemas.microsoft.com/office/drawing/2014/main" id="{3E2BBEDB-62D1-48DD-8ED8-5AA04100DE7A}"/>
               </a:ext>
             </a:extLst>
           </p:cNvPr>
@@ -6539,245 +8961,51 @@
           <a:lstStyle/>
           <a:p>
             <a:r>
-              <a:rPr lang="en-US" altLang="zh-CN" dirty="0"/>
-              <a:t>Final Assignment</a:t>
+              <a:rPr lang="en-GB" altLang="zh-CN" dirty="0">
+                <a:hlinkClick r:id="rId2"/>
+              </a:rPr>
+              <a:t>https://pytorch.org/</a:t>
             </a:r>
             <a:endParaRPr lang="zh-CN" altLang="en-US" dirty="0"/>
           </a:p>
         </p:txBody>
       </p:sp>
-      <p:sp>
-        <p:nvSpPr>
-          <p:cNvPr id="3" name="内容占位符 2">
+      <p:pic>
+        <p:nvPicPr>
+          <p:cNvPr id="5" name="内容占位符 4">
             <a:extLst>
               <a:ext uri="{FF2B5EF4-FFF2-40B4-BE49-F238E27FC236}">
-                <a16:creationId xmlns:a16="http://schemas.microsoft.com/office/drawing/2014/main" id="{EFA90529-7C0E-4A7F-9664-49088193879C}"/>
+                <a16:creationId xmlns:a16="http://schemas.microsoft.com/office/drawing/2014/main" id="{95F39848-2EAA-4D85-86B7-D9FD31EA07E9}"/>
               </a:ext>
             </a:extLst>
           </p:cNvPr>
-          <p:cNvSpPr>
-            <a:spLocks noGrp="1"/>
-          </p:cNvSpPr>
+          <p:cNvPicPr>
+            <a:picLocks noGrp="1" noChangeAspect="1"/>
+          </p:cNvPicPr>
           <p:nvPr>
             <p:ph idx="1"/>
           </p:nvPr>
-        </p:nvSpPr>
-        <p:spPr/>
-        <p:txBody>
-          <a:bodyPr>
-            <a:normAutofit fontScale="92500" lnSpcReduction="20000"/>
-          </a:bodyPr>
-          <a:lstStyle/>
-          <a:p>
-            <a:pPr marL="457200" indent="-457200">
-              <a:buFont typeface="+mj-lt"/>
-              <a:buAutoNum type="arabicPeriod"/>
-            </a:pPr>
-            <a:r>
-              <a:rPr lang="zh-CN" altLang="en-US" sz="3200" dirty="0"/>
-              <a:t>开放作业，鼓励合作分工，知识互补</a:t>
-            </a:r>
-            <a:endParaRPr lang="en-US" altLang="zh-CN" sz="3200" dirty="0"/>
-          </a:p>
-          <a:p>
-            <a:pPr marL="457200" indent="-457200">
-              <a:buFont typeface="+mj-lt"/>
-              <a:buAutoNum type="arabicPeriod"/>
-            </a:pPr>
-            <a:r>
-              <a:rPr lang="en-US" altLang="zh-CN" sz="3200" dirty="0"/>
-              <a:t>Deadline: 05-29 </a:t>
-            </a:r>
-            <a:r>
-              <a:rPr lang="zh-CN" altLang="en-US" sz="3200" dirty="0"/>
-              <a:t>号 （下周三）</a:t>
-            </a:r>
-            <a:endParaRPr lang="en-US" altLang="zh-CN" sz="3200" dirty="0"/>
-          </a:p>
-          <a:p>
-            <a:pPr marL="457200" indent="-457200">
-              <a:buFont typeface="+mj-lt"/>
-              <a:buAutoNum type="arabicPeriod"/>
-            </a:pPr>
-            <a:r>
-              <a:rPr lang="zh-CN" altLang="en-US" sz="3200" dirty="0"/>
-              <a:t>组员人数： </a:t>
-            </a:r>
-            <a:r>
-              <a:rPr lang="en-US" altLang="zh-CN" sz="3200" dirty="0"/>
-              <a:t>3</a:t>
-            </a:r>
-            <a:r>
-              <a:rPr lang="zh-CN" altLang="en-US" sz="3200" dirty="0"/>
-              <a:t>人一个小组。</a:t>
-            </a:r>
-            <a:endParaRPr lang="en-US" altLang="zh-CN" sz="3200" dirty="0"/>
-          </a:p>
-          <a:p>
-            <a:pPr marL="457200" indent="-457200">
-              <a:buFont typeface="+mj-lt"/>
-              <a:buAutoNum type="arabicPeriod"/>
-            </a:pPr>
-            <a:r>
-              <a:rPr lang="zh-CN" altLang="en-US" sz="3200" dirty="0"/>
-              <a:t>要求： </a:t>
-            </a:r>
-            <a:endParaRPr lang="en-GB" altLang="zh-CN" sz="3200" dirty="0"/>
-          </a:p>
-          <a:p>
-            <a:pPr marL="749808" lvl="1" indent="-457200">
-              <a:buFont typeface="+mj-lt"/>
-              <a:buAutoNum type="arabicPeriod"/>
-            </a:pPr>
-            <a:r>
-              <a:rPr lang="en-US" altLang="zh-CN" sz="2800" dirty="0"/>
-              <a:t>2</a:t>
-            </a:r>
-            <a:r>
-              <a:rPr lang="zh-CN" altLang="en-US" sz="2800" dirty="0"/>
-              <a:t>页</a:t>
-            </a:r>
-            <a:r>
-              <a:rPr lang="en-US" altLang="zh-CN" sz="2800" dirty="0"/>
-              <a:t>PDF(</a:t>
-            </a:r>
-            <a:r>
-              <a:rPr lang="zh-CN" altLang="en-US" sz="2800" dirty="0"/>
-              <a:t>用</a:t>
-            </a:r>
-            <a:r>
-              <a:rPr lang="en-US" altLang="zh-CN" sz="2800" dirty="0"/>
-              <a:t>Latex</a:t>
-            </a:r>
-            <a:r>
-              <a:rPr lang="zh-CN" altLang="en-US" sz="2800" dirty="0"/>
-              <a:t>编写）</a:t>
-            </a:r>
-            <a:endParaRPr lang="en-US" altLang="zh-CN" sz="2800" dirty="0"/>
-          </a:p>
-          <a:p>
-            <a:pPr marL="749808" lvl="1" indent="-457200">
-              <a:buFont typeface="+mj-lt"/>
-              <a:buAutoNum type="arabicPeriod"/>
-            </a:pPr>
-            <a:r>
-              <a:rPr lang="zh-CN" altLang="en-US" sz="3000" dirty="0"/>
-              <a:t>口头报告</a:t>
-            </a:r>
-            <a:r>
-              <a:rPr lang="en-US" altLang="zh-CN" sz="3000" dirty="0"/>
-              <a:t>(10</a:t>
-            </a:r>
-            <a:r>
-              <a:rPr lang="zh-CN" altLang="en-US" sz="3000" dirty="0"/>
-              <a:t>分钟</a:t>
-            </a:r>
-            <a:r>
-              <a:rPr lang="en-US" altLang="zh-CN" sz="3000" dirty="0"/>
-              <a:t>)</a:t>
-            </a:r>
-            <a:r>
-              <a:rPr lang="zh-CN" altLang="en-US" sz="3000" dirty="0"/>
-              <a:t>， </a:t>
-            </a:r>
-            <a:r>
-              <a:rPr lang="en-US" altLang="zh-CN" sz="3000" dirty="0"/>
-              <a:t>PPT</a:t>
-            </a:r>
-            <a:r>
-              <a:rPr lang="en-GB" altLang="zh-CN" sz="3000" dirty="0"/>
-              <a:t>. </a:t>
-            </a:r>
-          </a:p>
-          <a:p>
-            <a:pPr marL="749808" lvl="1" indent="-457200">
-              <a:buFont typeface="+mj-lt"/>
-              <a:buAutoNum type="arabicPeriod"/>
-            </a:pPr>
-            <a:r>
-              <a:rPr lang="en-GB" altLang="zh-CN" sz="3000" dirty="0"/>
-              <a:t>(Optional) </a:t>
-            </a:r>
-            <a:r>
-              <a:rPr lang="zh-CN" altLang="en-US" sz="3000" dirty="0"/>
-              <a:t>现场演示</a:t>
-            </a:r>
-            <a:endParaRPr lang="en-GB" altLang="zh-CN" sz="3000" dirty="0"/>
-          </a:p>
-          <a:p>
-            <a:pPr marL="457200" indent="-457200">
-              <a:buFont typeface="+mj-lt"/>
-              <a:buAutoNum type="arabicPeriod"/>
-            </a:pPr>
-            <a:r>
-              <a:rPr lang="en-US" altLang="zh-CN" sz="3200" dirty="0"/>
-              <a:t>Create a subfolder and name the subfolder under </a:t>
-            </a:r>
-            <a:r>
-              <a:rPr lang="en-US" altLang="zh-CN" sz="2600" b="1" i="1" dirty="0" err="1"/>
-              <a:t>AI_Precourse</a:t>
-            </a:r>
-            <a:r>
-              <a:rPr lang="en-US" altLang="zh-CN" sz="2600" b="1" i="1" dirty="0"/>
-              <a:t>\Week6_Final_assignment\</a:t>
-            </a:r>
-            <a:r>
-              <a:rPr lang="en-US" altLang="zh-CN" sz="2600" b="1" i="1" dirty="0" err="1"/>
-              <a:t>Your_group_number</a:t>
-            </a:r>
-            <a:endParaRPr lang="en-US" altLang="zh-CN" sz="2600" b="1" i="1" dirty="0"/>
-          </a:p>
-        </p:txBody>
-      </p:sp>
-      <p:sp>
-        <p:nvSpPr>
-          <p:cNvPr id="4" name="AutoShape 2" descr="Face Detection">
-            <a:extLst>
-              <a:ext uri="{FF2B5EF4-FFF2-40B4-BE49-F238E27FC236}">
-                <a16:creationId xmlns:a16="http://schemas.microsoft.com/office/drawing/2014/main" id="{69AC6CCB-1BFE-4D86-9375-114954915166}"/>
-              </a:ext>
-            </a:extLst>
-          </p:cNvPr>
-          <p:cNvSpPr>
-            <a:spLocks noChangeAspect="1" noChangeArrowheads="1"/>
-          </p:cNvSpPr>
-          <p:nvPr/>
-        </p:nvSpPr>
-        <p:spPr bwMode="auto">
+        </p:nvPicPr>
+        <p:blipFill>
+          <a:blip r:embed="rId3"/>
+          <a:stretch>
+            <a:fillRect/>
+          </a:stretch>
+        </p:blipFill>
+        <p:spPr>
           <a:xfrm>
-            <a:off x="5943600" y="3276600"/>
-            <a:ext cx="304800" cy="304800"/>
+            <a:off x="1097280" y="1737360"/>
+            <a:ext cx="9774642" cy="4022725"/>
           </a:xfrm>
           <a:prstGeom prst="rect">
             <a:avLst/>
           </a:prstGeom>
-          <a:noFill/>
-          <a:extLst>
-            <a:ext uri="{909E8E84-426E-40DD-AFC4-6F175D3DCCD1}">
-              <a14:hiddenFill xmlns:a14="http://schemas.microsoft.com/office/drawing/2010/main">
-                <a:solidFill>
-                  <a:srgbClr val="FFFFFF"/>
-                </a:solidFill>
-              </a14:hiddenFill>
-            </a:ext>
-          </a:extLst>
         </p:spPr>
-        <p:txBody>
-          <a:bodyPr vert="horz" wrap="square" lIns="91440" tIns="45720" rIns="91440" bIns="45720" numCol="1" anchor="t" anchorCtr="0" compatLnSpc="1">
-            <a:prstTxWarp prst="textNoShape">
-              <a:avLst/>
-            </a:prstTxWarp>
-          </a:bodyPr>
-          <a:lstStyle/>
-          <a:p>
-            <a:endParaRPr lang="zh-CN" altLang="en-US"/>
-          </a:p>
-        </p:txBody>
-      </p:sp>
+      </p:pic>
     </p:spTree>
     <p:extLst>
       <p:ext uri="{BB962C8B-B14F-4D97-AF65-F5344CB8AC3E}">
-        <p14:creationId xmlns:p14="http://schemas.microsoft.com/office/powerpoint/2010/main" val="3743737642"/>
+        <p14:creationId xmlns:p14="http://schemas.microsoft.com/office/powerpoint/2010/main" val="1178468498"/>
       </p:ext>
     </p:extLst>
   </p:cSld>
@@ -6804,463 +9032,185 @@
           <a:chExt cx="0" cy="0"/>
         </a:xfrm>
       </p:grpSpPr>
-      <p:graphicFrame>
-        <p:nvGraphicFramePr>
-          <p:cNvPr id="2" name="表格 1">
+      <p:sp>
+        <p:nvSpPr>
+          <p:cNvPr id="2" name="标题 1">
             <a:extLst>
               <a:ext uri="{FF2B5EF4-FFF2-40B4-BE49-F238E27FC236}">
-                <a16:creationId xmlns:a16="http://schemas.microsoft.com/office/drawing/2014/main" id="{F4DD7C3D-8C84-42C1-9F74-621CE9E244EE}"/>
+                <a16:creationId xmlns:a16="http://schemas.microsoft.com/office/drawing/2014/main" id="{B9B3B0E7-7C53-40C9-9BD2-E0303A259EBF}"/>
               </a:ext>
             </a:extLst>
           </p:cNvPr>
-          <p:cNvGraphicFramePr>
-            <a:graphicFrameLocks noGrp="1"/>
-          </p:cNvGraphicFramePr>
+          <p:cNvSpPr>
+            <a:spLocks noGrp="1"/>
+          </p:cNvSpPr>
           <p:nvPr>
-            <p:extLst>
-              <p:ext uri="{D42A27DB-BD31-4B8C-83A1-F6EECF244321}">
-                <p14:modId xmlns:p14="http://schemas.microsoft.com/office/powerpoint/2010/main" val="2730856798"/>
-              </p:ext>
-            </p:extLst>
+            <p:ph type="title"/>
           </p:nvPr>
-        </p:nvGraphicFramePr>
-        <p:xfrm>
-          <a:off x="691376" y="1210640"/>
-          <a:ext cx="9935736" cy="4436720"/>
-        </p:xfrm>
-        <a:graphic>
-          <a:graphicData uri="http://schemas.openxmlformats.org/drawingml/2006/table">
-            <a:tbl>
-              <a:tblPr firstRow="1" bandRow="1">
-                <a:tableStyleId>{5C22544A-7EE6-4342-B048-85BDC9FD1C3A}</a:tableStyleId>
-              </a:tblPr>
-              <a:tblGrid>
-                <a:gridCol w="2483934">
-                  <a:extLst>
-                    <a:ext uri="{9D8B030D-6E8A-4147-A177-3AD203B41FA5}">
-                      <a16:colId xmlns:a16="http://schemas.microsoft.com/office/drawing/2014/main" val="2973401471"/>
-                    </a:ext>
-                  </a:extLst>
-                </a:gridCol>
-                <a:gridCol w="2483934">
-                  <a:extLst>
-                    <a:ext uri="{9D8B030D-6E8A-4147-A177-3AD203B41FA5}">
-                      <a16:colId xmlns:a16="http://schemas.microsoft.com/office/drawing/2014/main" val="2687428209"/>
-                    </a:ext>
-                  </a:extLst>
-                </a:gridCol>
-                <a:gridCol w="2483934">
-                  <a:extLst>
-                    <a:ext uri="{9D8B030D-6E8A-4147-A177-3AD203B41FA5}">
-                      <a16:colId xmlns:a16="http://schemas.microsoft.com/office/drawing/2014/main" val="344912146"/>
-                    </a:ext>
-                  </a:extLst>
-                </a:gridCol>
-                <a:gridCol w="2483934">
-                  <a:extLst>
-                    <a:ext uri="{9D8B030D-6E8A-4147-A177-3AD203B41FA5}">
-                      <a16:colId xmlns:a16="http://schemas.microsoft.com/office/drawing/2014/main" val="651787271"/>
-                    </a:ext>
-                  </a:extLst>
-                </a:gridCol>
-              </a:tblGrid>
-              <a:tr h="579862">
-                <a:tc>
-                  <a:txBody>
-                    <a:bodyPr/>
-                    <a:lstStyle/>
-                    <a:p>
-                      <a:pPr algn="ctr"/>
-                      <a:r>
-                        <a:rPr lang="zh-CN" altLang="en-US" dirty="0"/>
-                        <a:t>小组</a:t>
-                      </a:r>
-                    </a:p>
-                  </a:txBody>
-                  <a:tcPr/>
-                </a:tc>
-                <a:tc>
-                  <a:txBody>
-                    <a:bodyPr/>
-                    <a:lstStyle/>
-                    <a:p>
-                      <a:pPr algn="ctr"/>
-                      <a:r>
-                        <a:rPr lang="zh-CN" altLang="en-US" dirty="0"/>
-                        <a:t>组员</a:t>
-                      </a:r>
-                      <a:r>
-                        <a:rPr lang="en-US" altLang="zh-CN" dirty="0"/>
-                        <a:t>1</a:t>
-                      </a:r>
-                      <a:endParaRPr lang="zh-CN" altLang="en-US" dirty="0"/>
-                    </a:p>
-                  </a:txBody>
-                  <a:tcPr/>
-                </a:tc>
-                <a:tc>
-                  <a:txBody>
-                    <a:bodyPr/>
-                    <a:lstStyle/>
-                    <a:p>
-                      <a:pPr marL="0" marR="0" lvl="0" indent="0" algn="ctr" defTabSz="914400" rtl="0" eaLnBrk="1" fontAlgn="auto" latinLnBrk="0" hangingPunct="1">
-                        <a:lnSpc>
-                          <a:spcPct val="100000"/>
-                        </a:lnSpc>
-                        <a:spcBef>
-                          <a:spcPts val="0"/>
-                        </a:spcBef>
-                        <a:spcAft>
-                          <a:spcPts val="0"/>
-                        </a:spcAft>
-                        <a:buClrTx/>
-                        <a:buSzTx/>
-                        <a:buFontTx/>
-                        <a:buNone/>
-                        <a:tabLst/>
-                        <a:defRPr/>
-                      </a:pPr>
-                      <a:r>
-                        <a:rPr lang="zh-CN" altLang="en-US" dirty="0"/>
-                        <a:t>组员</a:t>
-                      </a:r>
-                      <a:r>
-                        <a:rPr lang="en-US" altLang="zh-CN" dirty="0"/>
-                        <a:t>2</a:t>
-                      </a:r>
-                      <a:endParaRPr lang="zh-CN" altLang="en-US" dirty="0"/>
-                    </a:p>
-                    <a:p>
-                      <a:pPr algn="ctr"/>
-                      <a:endParaRPr lang="zh-CN" altLang="en-US" dirty="0"/>
-                    </a:p>
-                  </a:txBody>
-                  <a:tcPr/>
-                </a:tc>
-                <a:tc>
-                  <a:txBody>
-                    <a:bodyPr/>
-                    <a:lstStyle/>
-                    <a:p>
-                      <a:pPr marL="0" marR="0" lvl="0" indent="0" algn="ctr" defTabSz="914400" rtl="0" eaLnBrk="1" fontAlgn="auto" latinLnBrk="0" hangingPunct="1">
-                        <a:lnSpc>
-                          <a:spcPct val="100000"/>
-                        </a:lnSpc>
-                        <a:spcBef>
-                          <a:spcPts val="0"/>
-                        </a:spcBef>
-                        <a:spcAft>
-                          <a:spcPts val="0"/>
-                        </a:spcAft>
-                        <a:buClrTx/>
-                        <a:buSzTx/>
-                        <a:buFontTx/>
-                        <a:buNone/>
-                        <a:tabLst/>
-                        <a:defRPr/>
-                      </a:pPr>
-                      <a:r>
-                        <a:rPr lang="zh-CN" altLang="en-US" dirty="0"/>
-                        <a:t>组员</a:t>
-                      </a:r>
-                      <a:r>
-                        <a:rPr lang="en-US" altLang="zh-CN" dirty="0"/>
-                        <a:t>3</a:t>
-                      </a:r>
-                      <a:endParaRPr lang="zh-CN" altLang="en-US" dirty="0"/>
-                    </a:p>
-                  </a:txBody>
-                  <a:tcPr/>
-                </a:tc>
-                <a:extLst>
-                  <a:ext uri="{0D108BD9-81ED-4DB2-BD59-A6C34878D82A}">
-                    <a16:rowId xmlns:a16="http://schemas.microsoft.com/office/drawing/2014/main" val="217344023"/>
-                  </a:ext>
-                </a:extLst>
-              </a:tr>
-              <a:tr h="759328">
-                <a:tc>
-                  <a:txBody>
-                    <a:bodyPr/>
-                    <a:lstStyle/>
-                    <a:p>
-                      <a:pPr algn="ctr"/>
-                      <a:r>
-                        <a:rPr lang="en-US" altLang="zh-CN" dirty="0"/>
-                        <a:t>1</a:t>
-                      </a:r>
-                      <a:endParaRPr lang="zh-CN" altLang="en-US" dirty="0"/>
-                    </a:p>
-                  </a:txBody>
-                  <a:tcPr/>
-                </a:tc>
-                <a:tc>
-                  <a:txBody>
-                    <a:bodyPr/>
-                    <a:lstStyle/>
-                    <a:p>
-                      <a:pPr algn="ctr"/>
-                      <a:endParaRPr lang="zh-CN" altLang="en-US"/>
-                    </a:p>
-                  </a:txBody>
-                  <a:tcPr/>
-                </a:tc>
-                <a:tc>
-                  <a:txBody>
-                    <a:bodyPr/>
-                    <a:lstStyle/>
-                    <a:p>
-                      <a:pPr algn="ctr"/>
-                      <a:endParaRPr lang="zh-CN" altLang="en-US"/>
-                    </a:p>
-                  </a:txBody>
-                  <a:tcPr/>
-                </a:tc>
-                <a:tc>
-                  <a:txBody>
-                    <a:bodyPr/>
-                    <a:lstStyle/>
-                    <a:p>
-                      <a:pPr algn="ctr"/>
-                      <a:endParaRPr lang="zh-CN" altLang="en-US"/>
-                    </a:p>
-                  </a:txBody>
-                  <a:tcPr/>
-                </a:tc>
-                <a:extLst>
-                  <a:ext uri="{0D108BD9-81ED-4DB2-BD59-A6C34878D82A}">
-                    <a16:rowId xmlns:a16="http://schemas.microsoft.com/office/drawing/2014/main" val="3029520444"/>
-                  </a:ext>
-                </a:extLst>
-              </a:tr>
-              <a:tr h="759328">
-                <a:tc>
-                  <a:txBody>
-                    <a:bodyPr/>
-                    <a:lstStyle/>
-                    <a:p>
-                      <a:pPr algn="ctr"/>
-                      <a:r>
-                        <a:rPr lang="en-US" altLang="zh-CN" dirty="0"/>
-                        <a:t>2</a:t>
-                      </a:r>
-                      <a:endParaRPr lang="zh-CN" altLang="en-US" dirty="0"/>
-                    </a:p>
-                  </a:txBody>
-                  <a:tcPr/>
-                </a:tc>
-                <a:tc>
-                  <a:txBody>
-                    <a:bodyPr/>
-                    <a:lstStyle/>
-                    <a:p>
-                      <a:pPr algn="ctr"/>
-                      <a:endParaRPr lang="zh-CN" altLang="en-US"/>
-                    </a:p>
-                  </a:txBody>
-                  <a:tcPr/>
-                </a:tc>
-                <a:tc>
-                  <a:txBody>
-                    <a:bodyPr/>
-                    <a:lstStyle/>
-                    <a:p>
-                      <a:pPr algn="ctr"/>
-                      <a:endParaRPr lang="zh-CN" altLang="en-US"/>
-                    </a:p>
-                  </a:txBody>
-                  <a:tcPr/>
-                </a:tc>
-                <a:tc>
-                  <a:txBody>
-                    <a:bodyPr/>
-                    <a:lstStyle/>
-                    <a:p>
-                      <a:pPr algn="ctr"/>
-                      <a:endParaRPr lang="zh-CN" altLang="en-US"/>
-                    </a:p>
-                  </a:txBody>
-                  <a:tcPr/>
-                </a:tc>
-                <a:extLst>
-                  <a:ext uri="{0D108BD9-81ED-4DB2-BD59-A6C34878D82A}">
-                    <a16:rowId xmlns:a16="http://schemas.microsoft.com/office/drawing/2014/main" val="3697452"/>
-                  </a:ext>
-                </a:extLst>
-              </a:tr>
-              <a:tr h="759328">
-                <a:tc>
-                  <a:txBody>
-                    <a:bodyPr/>
-                    <a:lstStyle/>
-                    <a:p>
-                      <a:pPr algn="ctr"/>
-                      <a:r>
-                        <a:rPr lang="en-US" altLang="zh-CN" dirty="0"/>
-                        <a:t>3</a:t>
-                      </a:r>
-                      <a:endParaRPr lang="zh-CN" altLang="en-US" dirty="0"/>
-                    </a:p>
-                  </a:txBody>
-                  <a:tcPr/>
-                </a:tc>
-                <a:tc>
-                  <a:txBody>
-                    <a:bodyPr/>
-                    <a:lstStyle/>
-                    <a:p>
-                      <a:pPr algn="ctr"/>
-                      <a:endParaRPr lang="zh-CN" altLang="en-US"/>
-                    </a:p>
-                  </a:txBody>
-                  <a:tcPr/>
-                </a:tc>
-                <a:tc>
-                  <a:txBody>
-                    <a:bodyPr/>
-                    <a:lstStyle/>
-                    <a:p>
-                      <a:pPr algn="ctr"/>
-                      <a:endParaRPr lang="zh-CN" altLang="en-US"/>
-                    </a:p>
-                  </a:txBody>
-                  <a:tcPr/>
-                </a:tc>
-                <a:tc>
-                  <a:txBody>
-                    <a:bodyPr/>
-                    <a:lstStyle/>
-                    <a:p>
-                      <a:pPr algn="ctr"/>
-                      <a:endParaRPr lang="zh-CN" altLang="en-US"/>
-                    </a:p>
-                  </a:txBody>
-                  <a:tcPr/>
-                </a:tc>
-                <a:extLst>
-                  <a:ext uri="{0D108BD9-81ED-4DB2-BD59-A6C34878D82A}">
-                    <a16:rowId xmlns:a16="http://schemas.microsoft.com/office/drawing/2014/main" val="2297548425"/>
-                  </a:ext>
-                </a:extLst>
-              </a:tr>
-              <a:tr h="759328">
-                <a:tc>
-                  <a:txBody>
-                    <a:bodyPr/>
-                    <a:lstStyle/>
-                    <a:p>
-                      <a:pPr algn="ctr"/>
-                      <a:r>
-                        <a:rPr lang="en-US" altLang="zh-CN" dirty="0"/>
-                        <a:t>4</a:t>
-                      </a:r>
-                      <a:endParaRPr lang="zh-CN" altLang="en-US" dirty="0"/>
-                    </a:p>
-                  </a:txBody>
-                  <a:tcPr/>
-                </a:tc>
-                <a:tc>
-                  <a:txBody>
-                    <a:bodyPr/>
-                    <a:lstStyle/>
-                    <a:p>
-                      <a:pPr algn="ctr"/>
-                      <a:endParaRPr lang="zh-CN" altLang="en-US"/>
-                    </a:p>
-                  </a:txBody>
-                  <a:tcPr/>
-                </a:tc>
-                <a:tc>
-                  <a:txBody>
-                    <a:bodyPr/>
-                    <a:lstStyle/>
-                    <a:p>
-                      <a:pPr algn="ctr"/>
-                      <a:endParaRPr lang="zh-CN" altLang="en-US"/>
-                    </a:p>
-                  </a:txBody>
-                  <a:tcPr/>
-                </a:tc>
-                <a:tc>
-                  <a:txBody>
-                    <a:bodyPr/>
-                    <a:lstStyle/>
-                    <a:p>
-                      <a:pPr algn="ctr"/>
-                      <a:endParaRPr lang="zh-CN" altLang="en-US"/>
-                    </a:p>
-                  </a:txBody>
-                  <a:tcPr/>
-                </a:tc>
-                <a:extLst>
-                  <a:ext uri="{0D108BD9-81ED-4DB2-BD59-A6C34878D82A}">
-                    <a16:rowId xmlns:a16="http://schemas.microsoft.com/office/drawing/2014/main" val="2282996367"/>
-                  </a:ext>
-                </a:extLst>
-              </a:tr>
-              <a:tr h="759328">
-                <a:tc>
-                  <a:txBody>
-                    <a:bodyPr/>
-                    <a:lstStyle/>
-                    <a:p>
-                      <a:pPr algn="ctr"/>
-                      <a:r>
-                        <a:rPr lang="en-US" altLang="zh-CN" dirty="0"/>
-                        <a:t>5</a:t>
-                      </a:r>
-                      <a:endParaRPr lang="zh-CN" altLang="en-US" dirty="0"/>
-                    </a:p>
-                  </a:txBody>
-                  <a:tcPr/>
-                </a:tc>
-                <a:tc>
-                  <a:txBody>
-                    <a:bodyPr/>
-                    <a:lstStyle/>
-                    <a:p>
-                      <a:pPr algn="ctr"/>
-                      <a:endParaRPr lang="zh-CN" altLang="en-US"/>
-                    </a:p>
-                  </a:txBody>
-                  <a:tcPr/>
-                </a:tc>
-                <a:tc>
-                  <a:txBody>
-                    <a:bodyPr/>
-                    <a:lstStyle/>
-                    <a:p>
-                      <a:pPr algn="ctr"/>
-                      <a:endParaRPr lang="zh-CN" altLang="en-US"/>
-                    </a:p>
-                  </a:txBody>
-                  <a:tcPr/>
-                </a:tc>
-                <a:tc>
-                  <a:txBody>
-                    <a:bodyPr/>
-                    <a:lstStyle/>
-                    <a:p>
-                      <a:pPr algn="ctr"/>
-                      <a:endParaRPr lang="zh-CN" altLang="en-US" dirty="0"/>
-                    </a:p>
-                  </a:txBody>
-                  <a:tcPr/>
-                </a:tc>
-                <a:extLst>
-                  <a:ext uri="{0D108BD9-81ED-4DB2-BD59-A6C34878D82A}">
-                    <a16:rowId xmlns:a16="http://schemas.microsoft.com/office/drawing/2014/main" val="433321715"/>
-                  </a:ext>
-                </a:extLst>
-              </a:tr>
-            </a:tbl>
-          </a:graphicData>
-        </a:graphic>
-      </p:graphicFrame>
+        </p:nvSpPr>
+        <p:spPr/>
+        <p:txBody>
+          <a:bodyPr>
+            <a:normAutofit/>
+          </a:bodyPr>
+          <a:lstStyle/>
+          <a:p>
+            <a:r>
+              <a:rPr lang="en-GB" altLang="zh-CN" cap="all" dirty="0"/>
+              <a:t>KEY FEATURES &amp; CAPABILITIES</a:t>
+            </a:r>
+            <a:endParaRPr lang="zh-CN" altLang="en-US" dirty="0"/>
+          </a:p>
+        </p:txBody>
+      </p:sp>
+      <p:sp>
+        <p:nvSpPr>
+          <p:cNvPr id="3" name="内容占位符 2">
+            <a:extLst>
+              <a:ext uri="{FF2B5EF4-FFF2-40B4-BE49-F238E27FC236}">
+                <a16:creationId xmlns:a16="http://schemas.microsoft.com/office/drawing/2014/main" id="{6B330FE1-EB96-4638-9805-29A8FDBC4741}"/>
+              </a:ext>
+            </a:extLst>
+          </p:cNvPr>
+          <p:cNvSpPr>
+            <a:spLocks noGrp="1"/>
+          </p:cNvSpPr>
+          <p:nvPr>
+            <p:ph idx="1"/>
+          </p:nvPr>
+        </p:nvSpPr>
+        <p:spPr/>
+        <p:txBody>
+          <a:bodyPr>
+            <a:normAutofit/>
+          </a:bodyPr>
+          <a:lstStyle/>
+          <a:p>
+            <a:r>
+              <a:rPr lang="en-GB" altLang="zh-CN" sz="4400" dirty="0"/>
+              <a:t>Hybrid Front-End</a:t>
+            </a:r>
+          </a:p>
+          <a:p>
+            <a:r>
+              <a:rPr lang="en-GB" altLang="zh-CN" sz="4400" dirty="0"/>
+              <a:t>Distributed Training</a:t>
+            </a:r>
+          </a:p>
+          <a:p>
+            <a:r>
+              <a:rPr lang="en-GB" altLang="zh-CN" sz="4400" dirty="0"/>
+              <a:t>Python-First</a:t>
+            </a:r>
+          </a:p>
+          <a:p>
+            <a:r>
+              <a:rPr lang="en-GB" altLang="zh-CN" sz="4400" dirty="0"/>
+              <a:t>Tools &amp; Libraries</a:t>
+            </a:r>
+          </a:p>
+          <a:p>
+            <a:endParaRPr lang="en-GB" altLang="zh-CN" sz="2800" dirty="0"/>
+          </a:p>
+          <a:p>
+            <a:endParaRPr lang="en-GB" altLang="zh-CN" sz="2800" dirty="0"/>
+          </a:p>
+          <a:p>
+            <a:endParaRPr lang="en-GB" altLang="zh-CN" sz="2800" dirty="0"/>
+          </a:p>
+          <a:p>
+            <a:endParaRPr lang="zh-CN" altLang="en-US" sz="2800" dirty="0"/>
+          </a:p>
+        </p:txBody>
+      </p:sp>
     </p:spTree>
     <p:extLst>
       <p:ext uri="{BB962C8B-B14F-4D97-AF65-F5344CB8AC3E}">
-        <p14:creationId xmlns:p14="http://schemas.microsoft.com/office/powerpoint/2010/main" val="1731699146"/>
+        <p14:creationId xmlns:p14="http://schemas.microsoft.com/office/powerpoint/2010/main" val="2369780959"/>
+      </p:ext>
+    </p:extLst>
+  </p:cSld>
+  <p:clrMapOvr>
+    <a:masterClrMapping/>
+  </p:clrMapOvr>
+</p:sld>
+</file>
+
+<file path=ppt/slides/slide9.xml><?xml version="1.0" encoding="utf-8"?>
+<p:sld xmlns:a="http://schemas.openxmlformats.org/drawingml/2006/main" xmlns:r="http://schemas.openxmlformats.org/officeDocument/2006/relationships" xmlns:p="http://schemas.openxmlformats.org/presentationml/2006/main">
+  <p:cSld>
+    <p:spTree>
+      <p:nvGrpSpPr>
+        <p:cNvPr id="1" name=""/>
+        <p:cNvGrpSpPr/>
+        <p:nvPr/>
+      </p:nvGrpSpPr>
+      <p:grpSpPr>
+        <a:xfrm>
+          <a:off x="0" y="0"/>
+          <a:ext cx="0" cy="0"/>
+          <a:chOff x="0" y="0"/>
+          <a:chExt cx="0" cy="0"/>
+        </a:xfrm>
+      </p:grpSpPr>
+      <p:sp>
+        <p:nvSpPr>
+          <p:cNvPr id="2" name="标题 1">
+            <a:extLst>
+              <a:ext uri="{FF2B5EF4-FFF2-40B4-BE49-F238E27FC236}">
+                <a16:creationId xmlns:a16="http://schemas.microsoft.com/office/drawing/2014/main" id="{B0223E04-F70B-4EC2-B77C-44699ABFEFAE}"/>
+              </a:ext>
+            </a:extLst>
+          </p:cNvPr>
+          <p:cNvSpPr>
+            <a:spLocks noGrp="1"/>
+          </p:cNvSpPr>
+          <p:nvPr>
+            <p:ph type="title"/>
+          </p:nvPr>
+        </p:nvSpPr>
+        <p:spPr/>
+        <p:txBody>
+          <a:bodyPr/>
+          <a:lstStyle/>
+          <a:p>
+            <a:r>
+              <a:rPr lang="en-US" altLang="zh-CN" dirty="0"/>
+              <a:t>Final Assignment</a:t>
+            </a:r>
+            <a:endParaRPr lang="zh-CN" altLang="en-US" dirty="0"/>
+          </a:p>
+        </p:txBody>
+      </p:sp>
+      <p:sp>
+        <p:nvSpPr>
+          <p:cNvPr id="3" name="文本占位符 2">
+            <a:extLst>
+              <a:ext uri="{FF2B5EF4-FFF2-40B4-BE49-F238E27FC236}">
+                <a16:creationId xmlns:a16="http://schemas.microsoft.com/office/drawing/2014/main" id="{E60A20DE-8F63-4E64-9075-185E75CFD964}"/>
+              </a:ext>
+            </a:extLst>
+          </p:cNvPr>
+          <p:cNvSpPr>
+            <a:spLocks noGrp="1"/>
+          </p:cNvSpPr>
+          <p:nvPr>
+            <p:ph type="body" idx="1"/>
+          </p:nvPr>
+        </p:nvSpPr>
+        <p:spPr/>
+        <p:txBody>
+          <a:bodyPr/>
+          <a:lstStyle/>
+          <a:p>
+            <a:endParaRPr lang="zh-CN" altLang="en-US"/>
+          </a:p>
+        </p:txBody>
+      </p:sp>
+    </p:spTree>
+    <p:extLst>
+      <p:ext uri="{BB962C8B-B14F-4D97-AF65-F5344CB8AC3E}">
+        <p14:creationId xmlns:p14="http://schemas.microsoft.com/office/powerpoint/2010/main" val="1135739637"/>
       </p:ext>
     </p:extLst>
   </p:cSld>
